--- a/diplom/Презентация_пример.pptx
+++ b/diplom/Презентация_пример.pptx
@@ -7,15 +7,17 @@
   <p:sldIdLst>
     <p:sldId id="256" r:id="rId2"/>
     <p:sldId id="257" r:id="rId3"/>
-    <p:sldId id="258" r:id="rId4"/>
-    <p:sldId id="263" r:id="rId5"/>
-    <p:sldId id="262" r:id="rId6"/>
-    <p:sldId id="261" r:id="rId7"/>
-    <p:sldId id="264" r:id="rId8"/>
-    <p:sldId id="265" r:id="rId9"/>
-    <p:sldId id="266" r:id="rId10"/>
-    <p:sldId id="260" r:id="rId11"/>
-    <p:sldId id="259" r:id="rId12"/>
+    <p:sldId id="267" r:id="rId4"/>
+    <p:sldId id="258" r:id="rId5"/>
+    <p:sldId id="263" r:id="rId6"/>
+    <p:sldId id="262" r:id="rId7"/>
+    <p:sldId id="261" r:id="rId8"/>
+    <p:sldId id="264" r:id="rId9"/>
+    <p:sldId id="265" r:id="rId10"/>
+    <p:sldId id="266" r:id="rId11"/>
+    <p:sldId id="268" r:id="rId12"/>
+    <p:sldId id="260" r:id="rId13"/>
+    <p:sldId id="259" r:id="rId14"/>
   </p:sldIdLst>
   <p:sldSz cx="12192000" cy="6858000"/>
   <p:notesSz cx="6858000" cy="9144000"/>
@@ -8098,7 +8100,7 @@
       </p:grpSpPr>
       <p:sp>
         <p:nvSpPr>
-          <p:cNvPr id="4" name="Rectangle 2"/>
+          <p:cNvPr id="5" name="Rectangle 4"/>
           <p:cNvSpPr>
             <a:spLocks noChangeArrowheads="1"/>
           </p:cNvSpPr>
@@ -8106,8 +8108,8 @@
         </p:nvSpPr>
         <p:spPr bwMode="auto">
           <a:xfrm>
-            <a:off x="0" y="0"/>
-            <a:ext cx="3285836" cy="769441"/>
+            <a:off x="73972" y="-59814"/>
+            <a:ext cx="3494546" cy="523220"/>
           </a:xfrm>
           <a:prstGeom prst="rect">
             <a:avLst/>
@@ -8249,6 +8251,1028 @@
             </a:lvl9pPr>
           </a:lstStyle>
           <a:p>
+            <a:pPr algn="ctr" eaLnBrk="1" hangingPunct="1"/>
+            <a:r>
+              <a:rPr kumimoji="1" lang="ru-RU" altLang="ru-RU" sz="2800" b="1" dirty="0">
+                <a:solidFill>
+                  <a:schemeClr val="tx2"/>
+                </a:solidFill>
+                <a:latin typeface="Times New Roman" panose="02020603050405020304" pitchFamily="18" charset="0"/>
+              </a:rPr>
+              <a:t>Работа программы </a:t>
+            </a:r>
+          </a:p>
+        </p:txBody>
+      </p:sp>
+      <p:sp>
+        <p:nvSpPr>
+          <p:cNvPr id="11" name="TextBox 10"/>
+          <p:cNvSpPr txBox="1"/>
+          <p:nvPr/>
+        </p:nvSpPr>
+        <p:spPr>
+          <a:xfrm>
+            <a:off x="11623040" y="6041727"/>
+            <a:ext cx="389850" cy="584775"/>
+          </a:xfrm>
+          <a:prstGeom prst="rect">
+            <a:avLst/>
+          </a:prstGeom>
+          <a:noFill/>
+        </p:spPr>
+        <p:txBody>
+          <a:bodyPr wrap="none" rtlCol="0">
+            <a:spAutoFit/>
+          </a:bodyPr>
+          <a:lstStyle/>
+          <a:p>
+            <a:r>
+              <a:rPr lang="ru-RU" sz="3200" dirty="0">
+                <a:latin typeface="Times New Roman" panose="02020603050405020304" pitchFamily="18" charset="0"/>
+                <a:cs typeface="Times New Roman" panose="02020603050405020304" pitchFamily="18" charset="0"/>
+              </a:rPr>
+              <a:t>5</a:t>
+            </a:r>
+          </a:p>
+        </p:txBody>
+      </p:sp>
+      <p:sp>
+        <p:nvSpPr>
+          <p:cNvPr id="8" name="Rectangle 4">
+            <a:extLst>
+              <a:ext uri="{FF2B5EF4-FFF2-40B4-BE49-F238E27FC236}">
+                <a16:creationId xmlns:a16="http://schemas.microsoft.com/office/drawing/2014/main" id="{14CBA5E3-AC65-5C9C-8B44-32309BC1569F}"/>
+              </a:ext>
+            </a:extLst>
+          </p:cNvPr>
+          <p:cNvSpPr>
+            <a:spLocks noChangeArrowheads="1"/>
+          </p:cNvSpPr>
+          <p:nvPr/>
+        </p:nvSpPr>
+        <p:spPr bwMode="auto">
+          <a:xfrm>
+            <a:off x="73972" y="1208159"/>
+            <a:ext cx="3105466" cy="2585323"/>
+          </a:xfrm>
+          <a:prstGeom prst="rect">
+            <a:avLst/>
+          </a:prstGeom>
+          <a:noFill/>
+          <a:ln>
+            <a:noFill/>
+          </a:ln>
+          <a:effectLst/>
+          <a:extLst>
+            <a:ext uri="{909E8E84-426E-40DD-AFC4-6F175D3DCCD1}">
+              <a14:hiddenFill xmlns:a14="http://schemas.microsoft.com/office/drawing/2010/main">
+                <a:solidFill>
+                  <a:schemeClr val="accent1"/>
+                </a:solidFill>
+              </a14:hiddenFill>
+            </a:ext>
+            <a:ext uri="{91240B29-F687-4F45-9708-019B960494DF}">
+              <a14:hiddenLine xmlns:a14="http://schemas.microsoft.com/office/drawing/2010/main" w="9525">
+                <a:solidFill>
+                  <a:schemeClr val="tx1"/>
+                </a:solidFill>
+                <a:miter lim="800000"/>
+                <a:headEnd/>
+                <a:tailEnd/>
+              </a14:hiddenLine>
+            </a:ext>
+            <a:ext uri="{AF507438-7753-43E0-B8FC-AC1667EBCBE1}">
+              <a14:hiddenEffects xmlns:a14="http://schemas.microsoft.com/office/drawing/2010/main">
+                <a:effectLst>
+                  <a:outerShdw dist="35921" dir="2700000" algn="ctr" rotWithShape="0">
+                    <a:schemeClr val="bg2"/>
+                  </a:outerShdw>
+                </a:effectLst>
+              </a14:hiddenEffects>
+            </a:ext>
+          </a:extLst>
+        </p:spPr>
+        <p:txBody>
+          <a:bodyPr wrap="none">
+            <a:spAutoFit/>
+          </a:bodyPr>
+          <a:lstStyle>
+            <a:lvl1pPr eaLnBrk="0" hangingPunct="0">
+              <a:defRPr sz="2400">
+                <a:solidFill>
+                  <a:schemeClr val="tx1"/>
+                </a:solidFill>
+                <a:latin typeface="Tahoma" panose="020B0604030504040204" pitchFamily="34" charset="0"/>
+              </a:defRPr>
+            </a:lvl1pPr>
+            <a:lvl2pPr marL="742950" indent="-285750" eaLnBrk="0" hangingPunct="0">
+              <a:defRPr sz="2400">
+                <a:solidFill>
+                  <a:schemeClr val="tx1"/>
+                </a:solidFill>
+                <a:latin typeface="Tahoma" panose="020B0604030504040204" pitchFamily="34" charset="0"/>
+              </a:defRPr>
+            </a:lvl2pPr>
+            <a:lvl3pPr marL="1143000" indent="-228600" eaLnBrk="0" hangingPunct="0">
+              <a:defRPr sz="2400">
+                <a:solidFill>
+                  <a:schemeClr val="tx1"/>
+                </a:solidFill>
+                <a:latin typeface="Tahoma" panose="020B0604030504040204" pitchFamily="34" charset="0"/>
+              </a:defRPr>
+            </a:lvl3pPr>
+            <a:lvl4pPr marL="1600200" indent="-228600" eaLnBrk="0" hangingPunct="0">
+              <a:defRPr sz="2400">
+                <a:solidFill>
+                  <a:schemeClr val="tx1"/>
+                </a:solidFill>
+                <a:latin typeface="Tahoma" panose="020B0604030504040204" pitchFamily="34" charset="0"/>
+              </a:defRPr>
+            </a:lvl4pPr>
+            <a:lvl5pPr marL="2057400" indent="-228600" eaLnBrk="0" hangingPunct="0">
+              <a:defRPr sz="2400">
+                <a:solidFill>
+                  <a:schemeClr val="tx1"/>
+                </a:solidFill>
+                <a:latin typeface="Tahoma" panose="020B0604030504040204" pitchFamily="34" charset="0"/>
+              </a:defRPr>
+            </a:lvl5pPr>
+            <a:lvl6pPr marL="2514600" indent="-228600" eaLnBrk="0" fontAlgn="base" hangingPunct="0">
+              <a:spcBef>
+                <a:spcPct val="0"/>
+              </a:spcBef>
+              <a:spcAft>
+                <a:spcPct val="0"/>
+              </a:spcAft>
+              <a:defRPr sz="2400">
+                <a:solidFill>
+                  <a:schemeClr val="tx1"/>
+                </a:solidFill>
+                <a:latin typeface="Tahoma" panose="020B0604030504040204" pitchFamily="34" charset="0"/>
+              </a:defRPr>
+            </a:lvl6pPr>
+            <a:lvl7pPr marL="2971800" indent="-228600" eaLnBrk="0" fontAlgn="base" hangingPunct="0">
+              <a:spcBef>
+                <a:spcPct val="0"/>
+              </a:spcBef>
+              <a:spcAft>
+                <a:spcPct val="0"/>
+              </a:spcAft>
+              <a:defRPr sz="2400">
+                <a:solidFill>
+                  <a:schemeClr val="tx1"/>
+                </a:solidFill>
+                <a:latin typeface="Tahoma" panose="020B0604030504040204" pitchFamily="34" charset="0"/>
+              </a:defRPr>
+            </a:lvl7pPr>
+            <a:lvl8pPr marL="3429000" indent="-228600" eaLnBrk="0" fontAlgn="base" hangingPunct="0">
+              <a:spcBef>
+                <a:spcPct val="0"/>
+              </a:spcBef>
+              <a:spcAft>
+                <a:spcPct val="0"/>
+              </a:spcAft>
+              <a:defRPr sz="2400">
+                <a:solidFill>
+                  <a:schemeClr val="tx1"/>
+                </a:solidFill>
+                <a:latin typeface="Tahoma" panose="020B0604030504040204" pitchFamily="34" charset="0"/>
+              </a:defRPr>
+            </a:lvl8pPr>
+            <a:lvl9pPr marL="3886200" indent="-228600" eaLnBrk="0" fontAlgn="base" hangingPunct="0">
+              <a:spcBef>
+                <a:spcPct val="0"/>
+              </a:spcBef>
+              <a:spcAft>
+                <a:spcPct val="0"/>
+              </a:spcAft>
+              <a:defRPr sz="2400">
+                <a:solidFill>
+                  <a:schemeClr val="tx1"/>
+                </a:solidFill>
+                <a:latin typeface="Tahoma" panose="020B0604030504040204" pitchFamily="34" charset="0"/>
+              </a:defRPr>
+            </a:lvl9pPr>
+          </a:lstStyle>
+          <a:p>
+            <a:pPr eaLnBrk="1" hangingPunct="1"/>
+            <a:r>
+              <a:rPr kumimoji="1" lang="ru-RU" altLang="ru-RU" sz="3600" b="1" dirty="0">
+                <a:solidFill>
+                  <a:schemeClr val="tx2"/>
+                </a:solidFill>
+                <a:latin typeface="Times New Roman" panose="02020603050405020304" pitchFamily="18" charset="0"/>
+              </a:rPr>
+              <a:t>Персонал</a:t>
+            </a:r>
+            <a:endParaRPr kumimoji="1" lang="ru-RU" altLang="ru-RU" sz="1800" b="1" dirty="0">
+              <a:solidFill>
+                <a:schemeClr val="tx2"/>
+              </a:solidFill>
+              <a:latin typeface="Times New Roman" panose="02020603050405020304" pitchFamily="18" charset="0"/>
+            </a:endParaRPr>
+          </a:p>
+          <a:p>
+            <a:pPr eaLnBrk="1" hangingPunct="1"/>
+            <a:endParaRPr kumimoji="1" lang="ru-RU" altLang="ru-RU" sz="1800" b="1" dirty="0">
+              <a:solidFill>
+                <a:schemeClr val="tx2"/>
+              </a:solidFill>
+              <a:latin typeface="Times New Roman" panose="02020603050405020304" pitchFamily="18" charset="0"/>
+            </a:endParaRPr>
+          </a:p>
+          <a:p>
+            <a:pPr eaLnBrk="1" hangingPunct="1"/>
+            <a:r>
+              <a:rPr kumimoji="1" lang="ru-RU" altLang="ru-RU" sz="1800" b="1" dirty="0">
+                <a:solidFill>
+                  <a:schemeClr val="tx2"/>
+                </a:solidFill>
+                <a:latin typeface="Times New Roman" panose="02020603050405020304" pitchFamily="18" charset="0"/>
+              </a:rPr>
+              <a:t>1. Отображение </a:t>
+            </a:r>
+          </a:p>
+          <a:p>
+            <a:pPr eaLnBrk="1" hangingPunct="1"/>
+            <a:r>
+              <a:rPr kumimoji="1" lang="ru-RU" altLang="ru-RU" sz="1800" b="1" dirty="0">
+                <a:solidFill>
+                  <a:schemeClr val="tx2"/>
+                </a:solidFill>
+                <a:latin typeface="Times New Roman" panose="02020603050405020304" pitchFamily="18" charset="0"/>
+              </a:rPr>
+              <a:t>персонала и информации</a:t>
+            </a:r>
+          </a:p>
+          <a:p>
+            <a:pPr eaLnBrk="1" hangingPunct="1"/>
+            <a:endParaRPr kumimoji="1" lang="ru-RU" altLang="ru-RU" sz="1800" b="1" dirty="0">
+              <a:solidFill>
+                <a:schemeClr val="tx2"/>
+              </a:solidFill>
+              <a:latin typeface="Times New Roman" panose="02020603050405020304" pitchFamily="18" charset="0"/>
+            </a:endParaRPr>
+          </a:p>
+          <a:p>
+            <a:pPr eaLnBrk="1" hangingPunct="1"/>
+            <a:r>
+              <a:rPr kumimoji="1" lang="ru-RU" altLang="ru-RU" sz="1800" b="1" dirty="0">
+                <a:solidFill>
+                  <a:schemeClr val="tx2"/>
+                </a:solidFill>
+                <a:latin typeface="Times New Roman" panose="02020603050405020304" pitchFamily="18" charset="0"/>
+              </a:rPr>
+              <a:t>2. Добавление пользователя</a:t>
+            </a:r>
+          </a:p>
+          <a:p>
+            <a:pPr eaLnBrk="1" hangingPunct="1"/>
+            <a:endParaRPr kumimoji="1" lang="ru-RU" altLang="ru-RU" sz="1800" b="1" dirty="0">
+              <a:solidFill>
+                <a:schemeClr val="tx2"/>
+              </a:solidFill>
+              <a:latin typeface="Times New Roman" panose="02020603050405020304" pitchFamily="18" charset="0"/>
+            </a:endParaRPr>
+          </a:p>
+          <a:p>
+            <a:pPr eaLnBrk="1" hangingPunct="1"/>
+            <a:r>
+              <a:rPr kumimoji="1" lang="ru-RU" altLang="ru-RU" sz="1800" b="1" dirty="0">
+                <a:solidFill>
+                  <a:schemeClr val="tx2"/>
+                </a:solidFill>
+                <a:latin typeface="Times New Roman" panose="02020603050405020304" pitchFamily="18" charset="0"/>
+              </a:rPr>
+              <a:t>3. Удаление пользователя</a:t>
+            </a:r>
+          </a:p>
+        </p:txBody>
+      </p:sp>
+      <p:pic>
+        <p:nvPicPr>
+          <p:cNvPr id="3" name="Рисунок 2">
+            <a:extLst>
+              <a:ext uri="{FF2B5EF4-FFF2-40B4-BE49-F238E27FC236}">
+                <a16:creationId xmlns:a16="http://schemas.microsoft.com/office/drawing/2014/main" id="{2E458F29-5B0E-91E1-FE06-A5ADDE9517BB}"/>
+              </a:ext>
+            </a:extLst>
+          </p:cNvPr>
+          <p:cNvPicPr>
+            <a:picLocks noChangeAspect="1"/>
+          </p:cNvPicPr>
+          <p:nvPr/>
+        </p:nvPicPr>
+        <p:blipFill>
+          <a:blip r:embed="rId2">
+            <a:extLst>
+              <a:ext uri="{28A0092B-C50C-407E-A947-70E740481C1C}">
+                <a14:useLocalDpi xmlns:a14="http://schemas.microsoft.com/office/drawing/2010/main" val="0"/>
+              </a:ext>
+            </a:extLst>
+          </a:blip>
+          <a:stretch>
+            <a:fillRect/>
+          </a:stretch>
+        </p:blipFill>
+        <p:spPr>
+          <a:xfrm>
+            <a:off x="3127218" y="1593908"/>
+            <a:ext cx="9064781" cy="5264092"/>
+          </a:xfrm>
+          <a:prstGeom prst="rect">
+            <a:avLst/>
+          </a:prstGeom>
+        </p:spPr>
+      </p:pic>
+    </p:spTree>
+    <p:extLst>
+      <p:ext uri="{BB962C8B-B14F-4D97-AF65-F5344CB8AC3E}">
+        <p14:creationId xmlns:p14="http://schemas.microsoft.com/office/powerpoint/2010/main" val="1229821218"/>
+      </p:ext>
+    </p:extLst>
+  </p:cSld>
+  <p:clrMapOvr>
+    <a:masterClrMapping/>
+  </p:clrMapOvr>
+</p:sld>
+</file>
+
+<file path=ppt/slides/slide11.xml><?xml version="1.0" encoding="utf-8"?>
+<p:sld xmlns:a="http://schemas.openxmlformats.org/drawingml/2006/main" xmlns:r="http://schemas.openxmlformats.org/officeDocument/2006/relationships" xmlns:p="http://schemas.openxmlformats.org/presentationml/2006/main">
+  <p:cSld>
+    <p:spTree>
+      <p:nvGrpSpPr>
+        <p:cNvPr id="1" name=""/>
+        <p:cNvGrpSpPr/>
+        <p:nvPr/>
+      </p:nvGrpSpPr>
+      <p:grpSpPr>
+        <a:xfrm>
+          <a:off x="0" y="0"/>
+          <a:ext cx="0" cy="0"/>
+          <a:chOff x="0" y="0"/>
+          <a:chExt cx="0" cy="0"/>
+        </a:xfrm>
+      </p:grpSpPr>
+      <p:sp>
+        <p:nvSpPr>
+          <p:cNvPr id="5" name="Rectangle 4"/>
+          <p:cNvSpPr>
+            <a:spLocks noChangeArrowheads="1"/>
+          </p:cNvSpPr>
+          <p:nvPr/>
+        </p:nvSpPr>
+        <p:spPr bwMode="auto">
+          <a:xfrm>
+            <a:off x="73972" y="-59814"/>
+            <a:ext cx="3494546" cy="523220"/>
+          </a:xfrm>
+          <a:prstGeom prst="rect">
+            <a:avLst/>
+          </a:prstGeom>
+          <a:noFill/>
+          <a:ln>
+            <a:noFill/>
+          </a:ln>
+          <a:effectLst/>
+          <a:extLst>
+            <a:ext uri="{909E8E84-426E-40DD-AFC4-6F175D3DCCD1}">
+              <a14:hiddenFill xmlns:a14="http://schemas.microsoft.com/office/drawing/2010/main">
+                <a:solidFill>
+                  <a:schemeClr val="accent1"/>
+                </a:solidFill>
+              </a14:hiddenFill>
+            </a:ext>
+            <a:ext uri="{91240B29-F687-4F45-9708-019B960494DF}">
+              <a14:hiddenLine xmlns:a14="http://schemas.microsoft.com/office/drawing/2010/main" w="9525">
+                <a:solidFill>
+                  <a:schemeClr val="tx1"/>
+                </a:solidFill>
+                <a:miter lim="800000"/>
+                <a:headEnd/>
+                <a:tailEnd/>
+              </a14:hiddenLine>
+            </a:ext>
+            <a:ext uri="{AF507438-7753-43E0-B8FC-AC1667EBCBE1}">
+              <a14:hiddenEffects xmlns:a14="http://schemas.microsoft.com/office/drawing/2010/main">
+                <a:effectLst>
+                  <a:outerShdw dist="35921" dir="2700000" algn="ctr" rotWithShape="0">
+                    <a:schemeClr val="bg2"/>
+                  </a:outerShdw>
+                </a:effectLst>
+              </a14:hiddenEffects>
+            </a:ext>
+          </a:extLst>
+        </p:spPr>
+        <p:txBody>
+          <a:bodyPr wrap="none">
+            <a:spAutoFit/>
+          </a:bodyPr>
+          <a:lstStyle>
+            <a:lvl1pPr eaLnBrk="0" hangingPunct="0">
+              <a:defRPr sz="2400">
+                <a:solidFill>
+                  <a:schemeClr val="tx1"/>
+                </a:solidFill>
+                <a:latin typeface="Tahoma" panose="020B0604030504040204" pitchFamily="34" charset="0"/>
+              </a:defRPr>
+            </a:lvl1pPr>
+            <a:lvl2pPr marL="742950" indent="-285750" eaLnBrk="0" hangingPunct="0">
+              <a:defRPr sz="2400">
+                <a:solidFill>
+                  <a:schemeClr val="tx1"/>
+                </a:solidFill>
+                <a:latin typeface="Tahoma" panose="020B0604030504040204" pitchFamily="34" charset="0"/>
+              </a:defRPr>
+            </a:lvl2pPr>
+            <a:lvl3pPr marL="1143000" indent="-228600" eaLnBrk="0" hangingPunct="0">
+              <a:defRPr sz="2400">
+                <a:solidFill>
+                  <a:schemeClr val="tx1"/>
+                </a:solidFill>
+                <a:latin typeface="Tahoma" panose="020B0604030504040204" pitchFamily="34" charset="0"/>
+              </a:defRPr>
+            </a:lvl3pPr>
+            <a:lvl4pPr marL="1600200" indent="-228600" eaLnBrk="0" hangingPunct="0">
+              <a:defRPr sz="2400">
+                <a:solidFill>
+                  <a:schemeClr val="tx1"/>
+                </a:solidFill>
+                <a:latin typeface="Tahoma" panose="020B0604030504040204" pitchFamily="34" charset="0"/>
+              </a:defRPr>
+            </a:lvl4pPr>
+            <a:lvl5pPr marL="2057400" indent="-228600" eaLnBrk="0" hangingPunct="0">
+              <a:defRPr sz="2400">
+                <a:solidFill>
+                  <a:schemeClr val="tx1"/>
+                </a:solidFill>
+                <a:latin typeface="Tahoma" panose="020B0604030504040204" pitchFamily="34" charset="0"/>
+              </a:defRPr>
+            </a:lvl5pPr>
+            <a:lvl6pPr marL="2514600" indent="-228600" eaLnBrk="0" fontAlgn="base" hangingPunct="0">
+              <a:spcBef>
+                <a:spcPct val="0"/>
+              </a:spcBef>
+              <a:spcAft>
+                <a:spcPct val="0"/>
+              </a:spcAft>
+              <a:defRPr sz="2400">
+                <a:solidFill>
+                  <a:schemeClr val="tx1"/>
+                </a:solidFill>
+                <a:latin typeface="Tahoma" panose="020B0604030504040204" pitchFamily="34" charset="0"/>
+              </a:defRPr>
+            </a:lvl6pPr>
+            <a:lvl7pPr marL="2971800" indent="-228600" eaLnBrk="0" fontAlgn="base" hangingPunct="0">
+              <a:spcBef>
+                <a:spcPct val="0"/>
+              </a:spcBef>
+              <a:spcAft>
+                <a:spcPct val="0"/>
+              </a:spcAft>
+              <a:defRPr sz="2400">
+                <a:solidFill>
+                  <a:schemeClr val="tx1"/>
+                </a:solidFill>
+                <a:latin typeface="Tahoma" panose="020B0604030504040204" pitchFamily="34" charset="0"/>
+              </a:defRPr>
+            </a:lvl7pPr>
+            <a:lvl8pPr marL="3429000" indent="-228600" eaLnBrk="0" fontAlgn="base" hangingPunct="0">
+              <a:spcBef>
+                <a:spcPct val="0"/>
+              </a:spcBef>
+              <a:spcAft>
+                <a:spcPct val="0"/>
+              </a:spcAft>
+              <a:defRPr sz="2400">
+                <a:solidFill>
+                  <a:schemeClr val="tx1"/>
+                </a:solidFill>
+                <a:latin typeface="Tahoma" panose="020B0604030504040204" pitchFamily="34" charset="0"/>
+              </a:defRPr>
+            </a:lvl8pPr>
+            <a:lvl9pPr marL="3886200" indent="-228600" eaLnBrk="0" fontAlgn="base" hangingPunct="0">
+              <a:spcBef>
+                <a:spcPct val="0"/>
+              </a:spcBef>
+              <a:spcAft>
+                <a:spcPct val="0"/>
+              </a:spcAft>
+              <a:defRPr sz="2400">
+                <a:solidFill>
+                  <a:schemeClr val="tx1"/>
+                </a:solidFill>
+                <a:latin typeface="Tahoma" panose="020B0604030504040204" pitchFamily="34" charset="0"/>
+              </a:defRPr>
+            </a:lvl9pPr>
+          </a:lstStyle>
+          <a:p>
+            <a:pPr algn="ctr" eaLnBrk="1" hangingPunct="1"/>
+            <a:r>
+              <a:rPr kumimoji="1" lang="ru-RU" altLang="ru-RU" sz="2800" b="1" dirty="0">
+                <a:solidFill>
+                  <a:schemeClr val="tx2"/>
+                </a:solidFill>
+                <a:latin typeface="Times New Roman" panose="02020603050405020304" pitchFamily="18" charset="0"/>
+              </a:rPr>
+              <a:t>Работа программы </a:t>
+            </a:r>
+          </a:p>
+        </p:txBody>
+      </p:sp>
+      <p:sp>
+        <p:nvSpPr>
+          <p:cNvPr id="11" name="TextBox 10"/>
+          <p:cNvSpPr txBox="1"/>
+          <p:nvPr/>
+        </p:nvSpPr>
+        <p:spPr>
+          <a:xfrm>
+            <a:off x="11623040" y="6041727"/>
+            <a:ext cx="389850" cy="584775"/>
+          </a:xfrm>
+          <a:prstGeom prst="rect">
+            <a:avLst/>
+          </a:prstGeom>
+          <a:noFill/>
+        </p:spPr>
+        <p:txBody>
+          <a:bodyPr wrap="none" rtlCol="0">
+            <a:spAutoFit/>
+          </a:bodyPr>
+          <a:lstStyle/>
+          <a:p>
+            <a:r>
+              <a:rPr lang="ru-RU" sz="3200" dirty="0">
+                <a:latin typeface="Times New Roman" panose="02020603050405020304" pitchFamily="18" charset="0"/>
+                <a:cs typeface="Times New Roman" panose="02020603050405020304" pitchFamily="18" charset="0"/>
+              </a:rPr>
+              <a:t>5</a:t>
+            </a:r>
+          </a:p>
+        </p:txBody>
+      </p:sp>
+      <p:sp>
+        <p:nvSpPr>
+          <p:cNvPr id="8" name="Rectangle 4">
+            <a:extLst>
+              <a:ext uri="{FF2B5EF4-FFF2-40B4-BE49-F238E27FC236}">
+                <a16:creationId xmlns:a16="http://schemas.microsoft.com/office/drawing/2014/main" id="{14CBA5E3-AC65-5C9C-8B44-32309BC1569F}"/>
+              </a:ext>
+            </a:extLst>
+          </p:cNvPr>
+          <p:cNvSpPr>
+            <a:spLocks noChangeArrowheads="1"/>
+          </p:cNvSpPr>
+          <p:nvPr/>
+        </p:nvSpPr>
+        <p:spPr bwMode="auto">
+          <a:xfrm>
+            <a:off x="73972" y="704819"/>
+            <a:ext cx="2896947" cy="3693319"/>
+          </a:xfrm>
+          <a:prstGeom prst="rect">
+            <a:avLst/>
+          </a:prstGeom>
+          <a:noFill/>
+          <a:ln>
+            <a:noFill/>
+          </a:ln>
+          <a:effectLst/>
+          <a:extLst>
+            <a:ext uri="{909E8E84-426E-40DD-AFC4-6F175D3DCCD1}">
+              <a14:hiddenFill xmlns:a14="http://schemas.microsoft.com/office/drawing/2010/main">
+                <a:solidFill>
+                  <a:schemeClr val="accent1"/>
+                </a:solidFill>
+              </a14:hiddenFill>
+            </a:ext>
+            <a:ext uri="{91240B29-F687-4F45-9708-019B960494DF}">
+              <a14:hiddenLine xmlns:a14="http://schemas.microsoft.com/office/drawing/2010/main" w="9525">
+                <a:solidFill>
+                  <a:schemeClr val="tx1"/>
+                </a:solidFill>
+                <a:miter lim="800000"/>
+                <a:headEnd/>
+                <a:tailEnd/>
+              </a14:hiddenLine>
+            </a:ext>
+            <a:ext uri="{AF507438-7753-43E0-B8FC-AC1667EBCBE1}">
+              <a14:hiddenEffects xmlns:a14="http://schemas.microsoft.com/office/drawing/2010/main">
+                <a:effectLst>
+                  <a:outerShdw dist="35921" dir="2700000" algn="ctr" rotWithShape="0">
+                    <a:schemeClr val="bg2"/>
+                  </a:outerShdw>
+                </a:effectLst>
+              </a14:hiddenEffects>
+            </a:ext>
+          </a:extLst>
+        </p:spPr>
+        <p:txBody>
+          <a:bodyPr wrap="none">
+            <a:spAutoFit/>
+          </a:bodyPr>
+          <a:lstStyle>
+            <a:lvl1pPr eaLnBrk="0" hangingPunct="0">
+              <a:defRPr sz="2400">
+                <a:solidFill>
+                  <a:schemeClr val="tx1"/>
+                </a:solidFill>
+                <a:latin typeface="Tahoma" panose="020B0604030504040204" pitchFamily="34" charset="0"/>
+              </a:defRPr>
+            </a:lvl1pPr>
+            <a:lvl2pPr marL="742950" indent="-285750" eaLnBrk="0" hangingPunct="0">
+              <a:defRPr sz="2400">
+                <a:solidFill>
+                  <a:schemeClr val="tx1"/>
+                </a:solidFill>
+                <a:latin typeface="Tahoma" panose="020B0604030504040204" pitchFamily="34" charset="0"/>
+              </a:defRPr>
+            </a:lvl2pPr>
+            <a:lvl3pPr marL="1143000" indent="-228600" eaLnBrk="0" hangingPunct="0">
+              <a:defRPr sz="2400">
+                <a:solidFill>
+                  <a:schemeClr val="tx1"/>
+                </a:solidFill>
+                <a:latin typeface="Tahoma" panose="020B0604030504040204" pitchFamily="34" charset="0"/>
+              </a:defRPr>
+            </a:lvl3pPr>
+            <a:lvl4pPr marL="1600200" indent="-228600" eaLnBrk="0" hangingPunct="0">
+              <a:defRPr sz="2400">
+                <a:solidFill>
+                  <a:schemeClr val="tx1"/>
+                </a:solidFill>
+                <a:latin typeface="Tahoma" panose="020B0604030504040204" pitchFamily="34" charset="0"/>
+              </a:defRPr>
+            </a:lvl4pPr>
+            <a:lvl5pPr marL="2057400" indent="-228600" eaLnBrk="0" hangingPunct="0">
+              <a:defRPr sz="2400">
+                <a:solidFill>
+                  <a:schemeClr val="tx1"/>
+                </a:solidFill>
+                <a:latin typeface="Tahoma" panose="020B0604030504040204" pitchFamily="34" charset="0"/>
+              </a:defRPr>
+            </a:lvl5pPr>
+            <a:lvl6pPr marL="2514600" indent="-228600" eaLnBrk="0" fontAlgn="base" hangingPunct="0">
+              <a:spcBef>
+                <a:spcPct val="0"/>
+              </a:spcBef>
+              <a:spcAft>
+                <a:spcPct val="0"/>
+              </a:spcAft>
+              <a:defRPr sz="2400">
+                <a:solidFill>
+                  <a:schemeClr val="tx1"/>
+                </a:solidFill>
+                <a:latin typeface="Tahoma" panose="020B0604030504040204" pitchFamily="34" charset="0"/>
+              </a:defRPr>
+            </a:lvl6pPr>
+            <a:lvl7pPr marL="2971800" indent="-228600" eaLnBrk="0" fontAlgn="base" hangingPunct="0">
+              <a:spcBef>
+                <a:spcPct val="0"/>
+              </a:spcBef>
+              <a:spcAft>
+                <a:spcPct val="0"/>
+              </a:spcAft>
+              <a:defRPr sz="2400">
+                <a:solidFill>
+                  <a:schemeClr val="tx1"/>
+                </a:solidFill>
+                <a:latin typeface="Tahoma" panose="020B0604030504040204" pitchFamily="34" charset="0"/>
+              </a:defRPr>
+            </a:lvl7pPr>
+            <a:lvl8pPr marL="3429000" indent="-228600" eaLnBrk="0" fontAlgn="base" hangingPunct="0">
+              <a:spcBef>
+                <a:spcPct val="0"/>
+              </a:spcBef>
+              <a:spcAft>
+                <a:spcPct val="0"/>
+              </a:spcAft>
+              <a:defRPr sz="2400">
+                <a:solidFill>
+                  <a:schemeClr val="tx1"/>
+                </a:solidFill>
+                <a:latin typeface="Tahoma" panose="020B0604030504040204" pitchFamily="34" charset="0"/>
+              </a:defRPr>
+            </a:lvl8pPr>
+            <a:lvl9pPr marL="3886200" indent="-228600" eaLnBrk="0" fontAlgn="base" hangingPunct="0">
+              <a:spcBef>
+                <a:spcPct val="0"/>
+              </a:spcBef>
+              <a:spcAft>
+                <a:spcPct val="0"/>
+              </a:spcAft>
+              <a:defRPr sz="2400">
+                <a:solidFill>
+                  <a:schemeClr val="tx1"/>
+                </a:solidFill>
+                <a:latin typeface="Tahoma" panose="020B0604030504040204" pitchFamily="34" charset="0"/>
+              </a:defRPr>
+            </a:lvl9pPr>
+          </a:lstStyle>
+          <a:p>
+            <a:pPr eaLnBrk="1" hangingPunct="1"/>
+            <a:r>
+              <a:rPr kumimoji="1" lang="ru-RU" altLang="ru-RU" sz="3600" b="1" dirty="0">
+                <a:solidFill>
+                  <a:schemeClr val="tx2"/>
+                </a:solidFill>
+                <a:latin typeface="Times New Roman" panose="02020603050405020304" pitchFamily="18" charset="0"/>
+              </a:rPr>
+              <a:t>Структура </a:t>
+            </a:r>
+          </a:p>
+          <a:p>
+            <a:pPr eaLnBrk="1" hangingPunct="1"/>
+            <a:r>
+              <a:rPr kumimoji="1" lang="ru-RU" altLang="ru-RU" sz="3600" b="1" dirty="0">
+                <a:solidFill>
+                  <a:schemeClr val="tx2"/>
+                </a:solidFill>
+                <a:latin typeface="Times New Roman" panose="02020603050405020304" pitchFamily="18" charset="0"/>
+              </a:rPr>
+              <a:t>базы данных</a:t>
+            </a:r>
+          </a:p>
+          <a:p>
+            <a:pPr eaLnBrk="1" hangingPunct="1"/>
+            <a:endParaRPr kumimoji="1" lang="en-US" altLang="ru-RU" sz="3600" b="1" dirty="0">
+              <a:solidFill>
+                <a:schemeClr val="tx2"/>
+              </a:solidFill>
+              <a:latin typeface="Times New Roman" panose="02020603050405020304" pitchFamily="18" charset="0"/>
+            </a:endParaRPr>
+          </a:p>
+          <a:p>
+            <a:pPr eaLnBrk="1" hangingPunct="1"/>
+            <a:endParaRPr kumimoji="1" lang="ru-RU" altLang="ru-RU" sz="3600" b="1" dirty="0">
+              <a:solidFill>
+                <a:schemeClr val="tx2"/>
+              </a:solidFill>
+              <a:latin typeface="Times New Roman" panose="02020603050405020304" pitchFamily="18" charset="0"/>
+            </a:endParaRPr>
+          </a:p>
+          <a:p>
+            <a:pPr eaLnBrk="1" hangingPunct="1"/>
+            <a:r>
+              <a:rPr kumimoji="1" lang="en-US" altLang="ru-RU" sz="3600" b="1" dirty="0">
+                <a:solidFill>
+                  <a:schemeClr val="tx2"/>
+                </a:solidFill>
+                <a:latin typeface="Times New Roman" panose="02020603050405020304" pitchFamily="18" charset="0"/>
+              </a:rPr>
+              <a:t>PostgreSQL</a:t>
+            </a:r>
+          </a:p>
+          <a:p>
+            <a:pPr eaLnBrk="1" hangingPunct="1"/>
+            <a:r>
+              <a:rPr kumimoji="1" lang="en-US" altLang="ru-RU" sz="3600" b="1" dirty="0">
+                <a:solidFill>
+                  <a:schemeClr val="tx2"/>
+                </a:solidFill>
+                <a:latin typeface="Times New Roman" panose="02020603050405020304" pitchFamily="18" charset="0"/>
+              </a:rPr>
+              <a:t>PgAdmin</a:t>
+            </a:r>
+            <a:endParaRPr kumimoji="1" lang="ru-RU" altLang="ru-RU" sz="1800" b="1" dirty="0">
+              <a:solidFill>
+                <a:schemeClr val="tx2"/>
+              </a:solidFill>
+              <a:latin typeface="Times New Roman" panose="02020603050405020304" pitchFamily="18" charset="0"/>
+            </a:endParaRPr>
+          </a:p>
+          <a:p>
+            <a:pPr eaLnBrk="1" hangingPunct="1"/>
+            <a:endParaRPr kumimoji="1" lang="ru-RU" altLang="ru-RU" sz="1800" b="1" dirty="0">
+              <a:solidFill>
+                <a:schemeClr val="tx2"/>
+              </a:solidFill>
+              <a:latin typeface="Times New Roman" panose="02020603050405020304" pitchFamily="18" charset="0"/>
+            </a:endParaRPr>
+          </a:p>
+        </p:txBody>
+      </p:sp>
+      <p:pic>
+        <p:nvPicPr>
+          <p:cNvPr id="4" name="Рисунок 3">
+            <a:extLst>
+              <a:ext uri="{FF2B5EF4-FFF2-40B4-BE49-F238E27FC236}">
+                <a16:creationId xmlns:a16="http://schemas.microsoft.com/office/drawing/2014/main" id="{C0B6BABC-6040-7940-2652-53D2F97D7B84}"/>
+              </a:ext>
+            </a:extLst>
+          </p:cNvPr>
+          <p:cNvPicPr>
+            <a:picLocks noChangeAspect="1"/>
+          </p:cNvPicPr>
+          <p:nvPr/>
+        </p:nvPicPr>
+        <p:blipFill>
+          <a:blip r:embed="rId2">
+            <a:extLst>
+              <a:ext uri="{28A0092B-C50C-407E-A947-70E740481C1C}">
+                <a14:useLocalDpi xmlns:a14="http://schemas.microsoft.com/office/drawing/2010/main" val="0"/>
+              </a:ext>
+            </a:extLst>
+          </a:blip>
+          <a:stretch>
+            <a:fillRect/>
+          </a:stretch>
+        </p:blipFill>
+        <p:spPr>
+          <a:xfrm>
+            <a:off x="4302023" y="8647"/>
+            <a:ext cx="7889977" cy="6849353"/>
+          </a:xfrm>
+          <a:prstGeom prst="rect">
+            <a:avLst/>
+          </a:prstGeom>
+        </p:spPr>
+      </p:pic>
+    </p:spTree>
+    <p:extLst>
+      <p:ext uri="{BB962C8B-B14F-4D97-AF65-F5344CB8AC3E}">
+        <p14:creationId xmlns:p14="http://schemas.microsoft.com/office/powerpoint/2010/main" val="3061286554"/>
+      </p:ext>
+    </p:extLst>
+  </p:cSld>
+  <p:clrMapOvr>
+    <a:masterClrMapping/>
+  </p:clrMapOvr>
+</p:sld>
+</file>
+
+<file path=ppt/slides/slide12.xml><?xml version="1.0" encoding="utf-8"?>
+<p:sld xmlns:a="http://schemas.openxmlformats.org/drawingml/2006/main" xmlns:r="http://schemas.openxmlformats.org/officeDocument/2006/relationships" xmlns:p="http://schemas.openxmlformats.org/presentationml/2006/main">
+  <p:cSld>
+    <p:spTree>
+      <p:nvGrpSpPr>
+        <p:cNvPr id="1" name=""/>
+        <p:cNvGrpSpPr/>
+        <p:nvPr/>
+      </p:nvGrpSpPr>
+      <p:grpSpPr>
+        <a:xfrm>
+          <a:off x="0" y="0"/>
+          <a:ext cx="0" cy="0"/>
+          <a:chOff x="0" y="0"/>
+          <a:chExt cx="0" cy="0"/>
+        </a:xfrm>
+      </p:grpSpPr>
+      <p:sp>
+        <p:nvSpPr>
+          <p:cNvPr id="4" name="Rectangle 2"/>
+          <p:cNvSpPr>
+            <a:spLocks noChangeArrowheads="1"/>
+          </p:cNvSpPr>
+          <p:nvPr/>
+        </p:nvSpPr>
+        <p:spPr bwMode="auto">
+          <a:xfrm>
+            <a:off x="0" y="0"/>
+            <a:ext cx="3285836" cy="769441"/>
+          </a:xfrm>
+          <a:prstGeom prst="rect">
+            <a:avLst/>
+          </a:prstGeom>
+          <a:noFill/>
+          <a:ln>
+            <a:noFill/>
+          </a:ln>
+          <a:effectLst/>
+          <a:extLst>
+            <a:ext uri="{909E8E84-426E-40DD-AFC4-6F175D3DCCD1}">
+              <a14:hiddenFill xmlns:a14="http://schemas.microsoft.com/office/drawing/2010/main">
+                <a:solidFill>
+                  <a:schemeClr val="accent1"/>
+                </a:solidFill>
+              </a14:hiddenFill>
+            </a:ext>
+            <a:ext uri="{91240B29-F687-4F45-9708-019B960494DF}">
+              <a14:hiddenLine xmlns:a14="http://schemas.microsoft.com/office/drawing/2010/main" w="9525">
+                <a:solidFill>
+                  <a:schemeClr val="tx1"/>
+                </a:solidFill>
+                <a:miter lim="800000"/>
+                <a:headEnd/>
+                <a:tailEnd/>
+              </a14:hiddenLine>
+            </a:ext>
+            <a:ext uri="{AF507438-7753-43E0-B8FC-AC1667EBCBE1}">
+              <a14:hiddenEffects xmlns:a14="http://schemas.microsoft.com/office/drawing/2010/main">
+                <a:effectLst>
+                  <a:outerShdw dist="35921" dir="2700000" algn="ctr" rotWithShape="0">
+                    <a:schemeClr val="bg2"/>
+                  </a:outerShdw>
+                </a:effectLst>
+              </a14:hiddenEffects>
+            </a:ext>
+          </a:extLst>
+        </p:spPr>
+        <p:txBody>
+          <a:bodyPr wrap="none">
+            <a:spAutoFit/>
+          </a:bodyPr>
+          <a:lstStyle>
+            <a:lvl1pPr eaLnBrk="0" hangingPunct="0">
+              <a:defRPr sz="2400">
+                <a:solidFill>
+                  <a:schemeClr val="tx1"/>
+                </a:solidFill>
+                <a:latin typeface="Tahoma" panose="020B0604030504040204" pitchFamily="34" charset="0"/>
+              </a:defRPr>
+            </a:lvl1pPr>
+            <a:lvl2pPr marL="742950" indent="-285750" eaLnBrk="0" hangingPunct="0">
+              <a:defRPr sz="2400">
+                <a:solidFill>
+                  <a:schemeClr val="tx1"/>
+                </a:solidFill>
+                <a:latin typeface="Tahoma" panose="020B0604030504040204" pitchFamily="34" charset="0"/>
+              </a:defRPr>
+            </a:lvl2pPr>
+            <a:lvl3pPr marL="1143000" indent="-228600" eaLnBrk="0" hangingPunct="0">
+              <a:defRPr sz="2400">
+                <a:solidFill>
+                  <a:schemeClr val="tx1"/>
+                </a:solidFill>
+                <a:latin typeface="Tahoma" panose="020B0604030504040204" pitchFamily="34" charset="0"/>
+              </a:defRPr>
+            </a:lvl3pPr>
+            <a:lvl4pPr marL="1600200" indent="-228600" eaLnBrk="0" hangingPunct="0">
+              <a:defRPr sz="2400">
+                <a:solidFill>
+                  <a:schemeClr val="tx1"/>
+                </a:solidFill>
+                <a:latin typeface="Tahoma" panose="020B0604030504040204" pitchFamily="34" charset="0"/>
+              </a:defRPr>
+            </a:lvl4pPr>
+            <a:lvl5pPr marL="2057400" indent="-228600" eaLnBrk="0" hangingPunct="0">
+              <a:defRPr sz="2400">
+                <a:solidFill>
+                  <a:schemeClr val="tx1"/>
+                </a:solidFill>
+                <a:latin typeface="Tahoma" panose="020B0604030504040204" pitchFamily="34" charset="0"/>
+              </a:defRPr>
+            </a:lvl5pPr>
+            <a:lvl6pPr marL="2514600" indent="-228600" eaLnBrk="0" fontAlgn="base" hangingPunct="0">
+              <a:spcBef>
+                <a:spcPct val="0"/>
+              </a:spcBef>
+              <a:spcAft>
+                <a:spcPct val="0"/>
+              </a:spcAft>
+              <a:defRPr sz="2400">
+                <a:solidFill>
+                  <a:schemeClr val="tx1"/>
+                </a:solidFill>
+                <a:latin typeface="Tahoma" panose="020B0604030504040204" pitchFamily="34" charset="0"/>
+              </a:defRPr>
+            </a:lvl6pPr>
+            <a:lvl7pPr marL="2971800" indent="-228600" eaLnBrk="0" fontAlgn="base" hangingPunct="0">
+              <a:spcBef>
+                <a:spcPct val="0"/>
+              </a:spcBef>
+              <a:spcAft>
+                <a:spcPct val="0"/>
+              </a:spcAft>
+              <a:defRPr sz="2400">
+                <a:solidFill>
+                  <a:schemeClr val="tx1"/>
+                </a:solidFill>
+                <a:latin typeface="Tahoma" panose="020B0604030504040204" pitchFamily="34" charset="0"/>
+              </a:defRPr>
+            </a:lvl7pPr>
+            <a:lvl8pPr marL="3429000" indent="-228600" eaLnBrk="0" fontAlgn="base" hangingPunct="0">
+              <a:spcBef>
+                <a:spcPct val="0"/>
+              </a:spcBef>
+              <a:spcAft>
+                <a:spcPct val="0"/>
+              </a:spcAft>
+              <a:defRPr sz="2400">
+                <a:solidFill>
+                  <a:schemeClr val="tx1"/>
+                </a:solidFill>
+                <a:latin typeface="Tahoma" panose="020B0604030504040204" pitchFamily="34" charset="0"/>
+              </a:defRPr>
+            </a:lvl8pPr>
+            <a:lvl9pPr marL="3886200" indent="-228600" eaLnBrk="0" fontAlgn="base" hangingPunct="0">
+              <a:spcBef>
+                <a:spcPct val="0"/>
+              </a:spcBef>
+              <a:spcAft>
+                <a:spcPct val="0"/>
+              </a:spcAft>
+              <a:defRPr sz="2400">
+                <a:solidFill>
+                  <a:schemeClr val="tx1"/>
+                </a:solidFill>
+                <a:latin typeface="Tahoma" panose="020B0604030504040204" pitchFamily="34" charset="0"/>
+              </a:defRPr>
+            </a:lvl9pPr>
+          </a:lstStyle>
+          <a:p>
             <a:pPr eaLnBrk="1" hangingPunct="1"/>
             <a:r>
               <a:rPr kumimoji="1" lang="ru-RU" altLang="ru-RU" sz="4400" b="1" dirty="0">
@@ -8480,7 +9504,7 @@
 </p:sld>
 </file>
 
-<file path=ppt/slides/slide11.xml><?xml version="1.0" encoding="utf-8"?>
+<file path=ppt/slides/slide13.xml><?xml version="1.0" encoding="utf-8"?>
 <p:sld xmlns:a="http://schemas.openxmlformats.org/drawingml/2006/main" xmlns:r="http://schemas.openxmlformats.org/officeDocument/2006/relationships" xmlns:p="http://schemas.openxmlformats.org/presentationml/2006/main">
   <p:cSld>
     <p:spTree>
@@ -9053,7 +10077,7 @@
         <p:spPr bwMode="auto">
           <a:xfrm>
             <a:off x="184558" y="771787"/>
-            <a:ext cx="7337073" cy="769441"/>
+            <a:ext cx="8129598" cy="769441"/>
           </a:xfrm>
           <a:prstGeom prst="rect">
             <a:avLst/>
@@ -9203,7 +10227,7 @@
                 </a:solidFill>
                 <a:latin typeface="Times New Roman" panose="02020603050405020304" pitchFamily="18" charset="0"/>
               </a:rPr>
-              <a:t>Программные обеспечения</a:t>
+              <a:t>Пользовательские требования</a:t>
             </a:r>
             <a:r>
               <a:rPr kumimoji="1" lang="en-US" altLang="ru-RU" sz="4400" b="1" dirty="0">
@@ -9231,8 +10255,8 @@
         </p:nvSpPr>
         <p:spPr>
           <a:xfrm>
-            <a:off x="523938" y="2179130"/>
-            <a:ext cx="10994145" cy="4154984"/>
+            <a:off x="372936" y="2531467"/>
+            <a:ext cx="10994145" cy="3263970"/>
           </a:xfrm>
           <a:prstGeom prst="rect">
             <a:avLst/>
@@ -9245,97 +10269,140 @@
           </a:bodyPr>
           <a:lstStyle/>
           <a:p>
-            <a:pPr indent="457200">
-              <a:buFont typeface="Arial" panose="020B0604020202020204" pitchFamily="34" charset="0"/>
-              <a:buChar char="•"/>
+            <a:pPr indent="450215" algn="just">
+              <a:lnSpc>
+                <a:spcPct val="150000"/>
+              </a:lnSpc>
+              <a:spcAft>
+                <a:spcPts val="1000"/>
+              </a:spcAft>
             </a:pPr>
             <a:r>
-              <a:rPr lang="en-US" sz="4400" dirty="0">
+              <a:rPr lang="ru-RU" sz="1600" b="1" dirty="0">
+                <a:effectLst/>
                 <a:latin typeface="Times New Roman" panose="02020603050405020304" pitchFamily="18" charset="0"/>
+                <a:ea typeface="Calibri" panose="020F0502020204030204" pitchFamily="34" charset="0"/>
                 <a:cs typeface="Times New Roman" panose="02020603050405020304" pitchFamily="18" charset="0"/>
               </a:rPr>
-              <a:t>Python</a:t>
-            </a:r>
-          </a:p>
-          <a:p>
-            <a:pPr indent="457200">
-              <a:buFont typeface="Arial" panose="020B0604020202020204" pitchFamily="34" charset="0"/>
-              <a:buChar char="•"/>
-            </a:pPr>
-            <a:r>
-              <a:rPr lang="ru-RU" sz="4400" dirty="0">
+              <a:t>Начальник колонны</a:t>
+            </a:r>
+            <a:r>
+              <a:rPr lang="ru-RU" sz="1600" dirty="0">
+                <a:effectLst/>
                 <a:latin typeface="Times New Roman" panose="02020603050405020304" pitchFamily="18" charset="0"/>
+                <a:ea typeface="Calibri" panose="020F0502020204030204" pitchFamily="34" charset="0"/>
                 <a:cs typeface="Times New Roman" panose="02020603050405020304" pitchFamily="18" charset="0"/>
               </a:rPr>
-              <a:t>Библиотеки</a:t>
-            </a:r>
-            <a:r>
-              <a:rPr lang="en-US" sz="4400" dirty="0">
+              <a:t>: как начальник колоны я хочу видеть внешнее состояние оператора-водителя и груза, выполненные задания оператором-водителем, учет техники и </a:t>
+            </a:r>
+            <a:r>
+              <a:rPr lang="ru-RU" sz="1600" dirty="0" err="1">
+                <a:effectLst/>
                 <a:latin typeface="Times New Roman" panose="02020603050405020304" pitchFamily="18" charset="0"/>
+                <a:ea typeface="Calibri" panose="020F0502020204030204" pitchFamily="34" charset="0"/>
                 <a:cs typeface="Times New Roman" panose="02020603050405020304" pitchFamily="18" charset="0"/>
               </a:rPr>
-              <a:t> Python: </a:t>
-            </a:r>
-          </a:p>
-          <a:p>
-            <a:pPr indent="457200"/>
-            <a:r>
-              <a:rPr lang="en-US" sz="4400" dirty="0">
+              <a:t>перссонала</a:t>
+            </a:r>
+            <a:r>
+              <a:rPr lang="ru-RU" sz="1600" dirty="0">
+                <a:effectLst/>
                 <a:latin typeface="Times New Roman" panose="02020603050405020304" pitchFamily="18" charset="0"/>
+                <a:ea typeface="Calibri" panose="020F0502020204030204" pitchFamily="34" charset="0"/>
                 <a:cs typeface="Times New Roman" panose="02020603050405020304" pitchFamily="18" charset="0"/>
               </a:rPr>
-              <a:t>   </a:t>
-            </a:r>
-            <a:r>
-              <a:rPr lang="en-US" sz="3200" dirty="0">
+              <a:t>, а также возможность общения с оператором-водителем и мастером участка. </a:t>
+            </a:r>
+            <a:endParaRPr lang="ru-RU" sz="1600" dirty="0">
+              <a:effectLst/>
+              <a:latin typeface="Calibri" panose="020F0502020204030204" pitchFamily="34" charset="0"/>
+              <a:ea typeface="Calibri" panose="020F0502020204030204" pitchFamily="34" charset="0"/>
+              <a:cs typeface="Times New Roman" panose="02020603050405020304" pitchFamily="18" charset="0"/>
+            </a:endParaRPr>
+          </a:p>
+          <a:p>
+            <a:pPr indent="450215" algn="just">
+              <a:lnSpc>
+                <a:spcPct val="150000"/>
+              </a:lnSpc>
+              <a:spcAft>
+                <a:spcPts val="1000"/>
+              </a:spcAft>
+            </a:pPr>
+            <a:r>
+              <a:rPr lang="ru-RU" sz="1600" dirty="0">
+                <a:effectLst/>
                 <a:latin typeface="Times New Roman" panose="02020603050405020304" pitchFamily="18" charset="0"/>
+                <a:ea typeface="Calibri" panose="020F0502020204030204" pitchFamily="34" charset="0"/>
                 <a:cs typeface="Times New Roman" panose="02020603050405020304" pitchFamily="18" charset="0"/>
               </a:rPr>
-              <a:t>Pyqt5, socket, Psycopg, threading, OpenCV</a:t>
-            </a:r>
-            <a:endParaRPr lang="en-US" sz="3200" dirty="0"/>
-          </a:p>
-          <a:p>
-            <a:pPr indent="457200">
-              <a:buFont typeface="Arial" panose="020B0604020202020204" pitchFamily="34" charset="0"/>
-              <a:buChar char="•"/>
-            </a:pPr>
-            <a:r>
-              <a:rPr lang="en-US" sz="4400" dirty="0">
+              <a:t>- </a:t>
+            </a:r>
+            <a:r>
+              <a:rPr lang="ru-RU" sz="1600" b="1" dirty="0">
+                <a:effectLst/>
                 <a:latin typeface="Times New Roman" panose="02020603050405020304" pitchFamily="18" charset="0"/>
+                <a:ea typeface="Calibri" panose="020F0502020204030204" pitchFamily="34" charset="0"/>
                 <a:cs typeface="Times New Roman" panose="02020603050405020304" pitchFamily="18" charset="0"/>
               </a:rPr>
-              <a:t>QtDesigner</a:t>
-            </a:r>
-            <a:endParaRPr lang="en-US" sz="4400" dirty="0"/>
-          </a:p>
-          <a:p>
-            <a:pPr indent="457200">
-              <a:buFont typeface="Arial" panose="020B0604020202020204" pitchFamily="34" charset="0"/>
-              <a:buChar char="•"/>
-            </a:pPr>
-            <a:r>
-              <a:rPr lang="en-US" sz="4400" dirty="0">
+              <a:t>Оператор-водитель</a:t>
+            </a:r>
+            <a:r>
+              <a:rPr lang="ru-RU" sz="1600" dirty="0">
+                <a:effectLst/>
                 <a:latin typeface="Times New Roman" panose="02020603050405020304" pitchFamily="18" charset="0"/>
+                <a:ea typeface="Calibri" panose="020F0502020204030204" pitchFamily="34" charset="0"/>
                 <a:cs typeface="Times New Roman" panose="02020603050405020304" pitchFamily="18" charset="0"/>
               </a:rPr>
-              <a:t>PgAdmin</a:t>
-            </a:r>
-          </a:p>
-          <a:p>
-            <a:pPr indent="457200">
-              <a:buFont typeface="Arial" panose="020B0604020202020204" pitchFamily="34" charset="0"/>
-              <a:buChar char="•"/>
+              <a:t>: как оператор-водитель я хочу видеть груз, возможность записи и отслеживания выполненных заданий, а также возможность общения с начальником колоны и мастером участка. </a:t>
+            </a:r>
+            <a:endParaRPr lang="ru-RU" sz="1600" dirty="0">
+              <a:effectLst/>
+              <a:latin typeface="Calibri" panose="020F0502020204030204" pitchFamily="34" charset="0"/>
+              <a:ea typeface="Calibri" panose="020F0502020204030204" pitchFamily="34" charset="0"/>
+              <a:cs typeface="Times New Roman" panose="02020603050405020304" pitchFamily="18" charset="0"/>
+            </a:endParaRPr>
+          </a:p>
+          <a:p>
+            <a:pPr indent="450215" algn="just">
+              <a:lnSpc>
+                <a:spcPct val="150000"/>
+              </a:lnSpc>
+              <a:spcAft>
+                <a:spcPts val="1000"/>
+              </a:spcAft>
             </a:pPr>
             <a:r>
-              <a:rPr lang="en-US" sz="4400" dirty="0">
+              <a:rPr lang="ru-RU" sz="1600" dirty="0">
+                <a:effectLst/>
                 <a:latin typeface="Times New Roman" panose="02020603050405020304" pitchFamily="18" charset="0"/>
+                <a:ea typeface="Calibri" panose="020F0502020204030204" pitchFamily="34" charset="0"/>
                 <a:cs typeface="Times New Roman" panose="02020603050405020304" pitchFamily="18" charset="0"/>
               </a:rPr>
-              <a:t>MySQL Workbench</a:t>
-            </a:r>
-            <a:endParaRPr lang="ru-RU" sz="5400" dirty="0">
-              <a:latin typeface="Times New Roman" panose="02020603050405020304" pitchFamily="18" charset="0"/>
+              <a:t>-</a:t>
+            </a:r>
+            <a:r>
+              <a:rPr lang="ru-RU" sz="1600" b="1" dirty="0">
+                <a:effectLst/>
+                <a:latin typeface="Times New Roman" panose="02020603050405020304" pitchFamily="18" charset="0"/>
+                <a:ea typeface="Calibri" panose="020F0502020204030204" pitchFamily="34" charset="0"/>
+                <a:cs typeface="Times New Roman" panose="02020603050405020304" pitchFamily="18" charset="0"/>
+              </a:rPr>
+              <a:t>Мастер участка</a:t>
+            </a:r>
+            <a:r>
+              <a:rPr lang="ru-RU" sz="1600" dirty="0">
+                <a:effectLst/>
+                <a:latin typeface="Times New Roman" panose="02020603050405020304" pitchFamily="18" charset="0"/>
+                <a:ea typeface="Calibri" panose="020F0502020204030204" pitchFamily="34" charset="0"/>
+                <a:cs typeface="Times New Roman" panose="02020603050405020304" pitchFamily="18" charset="0"/>
+              </a:rPr>
+              <a:t>: как мастер участка я хочу видеть внешнее состояние оператора-водителя и груза, возможность запись и просмотр данных по выполненным ремонтным работам над техникой, запись и просмотр наличия и количества техники, а также возможность общения с начальником колоны и мастером участка.</a:t>
+            </a:r>
+            <a:endParaRPr lang="ru-RU" sz="1600" dirty="0">
+              <a:effectLst/>
+              <a:latin typeface="Calibri" panose="020F0502020204030204" pitchFamily="34" charset="0"/>
+              <a:ea typeface="Calibri" panose="020F0502020204030204" pitchFamily="34" charset="0"/>
               <a:cs typeface="Times New Roman" panose="02020603050405020304" pitchFamily="18" charset="0"/>
             </a:endParaRPr>
           </a:p>
@@ -9344,7 +10411,7 @@
     </p:spTree>
     <p:extLst>
       <p:ext uri="{BB962C8B-B14F-4D97-AF65-F5344CB8AC3E}">
-        <p14:creationId xmlns:p14="http://schemas.microsoft.com/office/powerpoint/2010/main" val="584431470"/>
+        <p14:creationId xmlns:p14="http://schemas.microsoft.com/office/powerpoint/2010/main" val="2975420147"/>
       </p:ext>
     </p:extLst>
   </p:cSld>
@@ -9373,6 +10440,367 @@
       </p:grpSpPr>
       <p:sp>
         <p:nvSpPr>
+          <p:cNvPr id="4" name="TextBox 3"/>
+          <p:cNvSpPr txBox="1"/>
+          <p:nvPr/>
+        </p:nvSpPr>
+        <p:spPr>
+          <a:xfrm>
+            <a:off x="11623040" y="6041727"/>
+            <a:ext cx="389850" cy="584775"/>
+          </a:xfrm>
+          <a:prstGeom prst="rect">
+            <a:avLst/>
+          </a:prstGeom>
+          <a:noFill/>
+        </p:spPr>
+        <p:txBody>
+          <a:bodyPr wrap="none" rtlCol="0">
+            <a:spAutoFit/>
+          </a:bodyPr>
+          <a:lstStyle/>
+          <a:p>
+            <a:r>
+              <a:rPr lang="ru-RU" sz="3200" dirty="0">
+                <a:latin typeface="Times New Roman" panose="02020603050405020304" pitchFamily="18" charset="0"/>
+                <a:cs typeface="Times New Roman" panose="02020603050405020304" pitchFamily="18" charset="0"/>
+              </a:rPr>
+              <a:t>3</a:t>
+            </a:r>
+          </a:p>
+        </p:txBody>
+      </p:sp>
+      <p:sp>
+        <p:nvSpPr>
+          <p:cNvPr id="5" name="Rectangle 2"/>
+          <p:cNvSpPr>
+            <a:spLocks noChangeArrowheads="1"/>
+          </p:cNvSpPr>
+          <p:nvPr/>
+        </p:nvSpPr>
+        <p:spPr bwMode="auto">
+          <a:xfrm>
+            <a:off x="184558" y="771787"/>
+            <a:ext cx="7337073" cy="769441"/>
+          </a:xfrm>
+          <a:prstGeom prst="rect">
+            <a:avLst/>
+          </a:prstGeom>
+          <a:noFill/>
+          <a:ln>
+            <a:noFill/>
+          </a:ln>
+          <a:effectLst/>
+          <a:extLst>
+            <a:ext uri="{909E8E84-426E-40DD-AFC4-6F175D3DCCD1}">
+              <a14:hiddenFill xmlns:a14="http://schemas.microsoft.com/office/drawing/2010/main">
+                <a:solidFill>
+                  <a:schemeClr val="accent1"/>
+                </a:solidFill>
+              </a14:hiddenFill>
+            </a:ext>
+            <a:ext uri="{91240B29-F687-4F45-9708-019B960494DF}">
+              <a14:hiddenLine xmlns:a14="http://schemas.microsoft.com/office/drawing/2010/main" w="9525">
+                <a:solidFill>
+                  <a:schemeClr val="tx1"/>
+                </a:solidFill>
+                <a:miter lim="800000"/>
+                <a:headEnd/>
+                <a:tailEnd/>
+              </a14:hiddenLine>
+            </a:ext>
+            <a:ext uri="{AF507438-7753-43E0-B8FC-AC1667EBCBE1}">
+              <a14:hiddenEffects xmlns:a14="http://schemas.microsoft.com/office/drawing/2010/main">
+                <a:effectLst>
+                  <a:outerShdw dist="35921" dir="2700000" algn="ctr" rotWithShape="0">
+                    <a:schemeClr val="bg2"/>
+                  </a:outerShdw>
+                </a:effectLst>
+              </a14:hiddenEffects>
+            </a:ext>
+          </a:extLst>
+        </p:spPr>
+        <p:txBody>
+          <a:bodyPr wrap="none">
+            <a:spAutoFit/>
+          </a:bodyPr>
+          <a:lstStyle>
+            <a:lvl1pPr eaLnBrk="0" hangingPunct="0">
+              <a:defRPr sz="2400">
+                <a:solidFill>
+                  <a:schemeClr val="tx1"/>
+                </a:solidFill>
+                <a:latin typeface="Tahoma" panose="020B0604030504040204" pitchFamily="34" charset="0"/>
+              </a:defRPr>
+            </a:lvl1pPr>
+            <a:lvl2pPr marL="742950" indent="-285750" eaLnBrk="0" hangingPunct="0">
+              <a:defRPr sz="2400">
+                <a:solidFill>
+                  <a:schemeClr val="tx1"/>
+                </a:solidFill>
+                <a:latin typeface="Tahoma" panose="020B0604030504040204" pitchFamily="34" charset="0"/>
+              </a:defRPr>
+            </a:lvl2pPr>
+            <a:lvl3pPr marL="1143000" indent="-228600" eaLnBrk="0" hangingPunct="0">
+              <a:defRPr sz="2400">
+                <a:solidFill>
+                  <a:schemeClr val="tx1"/>
+                </a:solidFill>
+                <a:latin typeface="Tahoma" panose="020B0604030504040204" pitchFamily="34" charset="0"/>
+              </a:defRPr>
+            </a:lvl3pPr>
+            <a:lvl4pPr marL="1600200" indent="-228600" eaLnBrk="0" hangingPunct="0">
+              <a:defRPr sz="2400">
+                <a:solidFill>
+                  <a:schemeClr val="tx1"/>
+                </a:solidFill>
+                <a:latin typeface="Tahoma" panose="020B0604030504040204" pitchFamily="34" charset="0"/>
+              </a:defRPr>
+            </a:lvl4pPr>
+            <a:lvl5pPr marL="2057400" indent="-228600" eaLnBrk="0" hangingPunct="0">
+              <a:defRPr sz="2400">
+                <a:solidFill>
+                  <a:schemeClr val="tx1"/>
+                </a:solidFill>
+                <a:latin typeface="Tahoma" panose="020B0604030504040204" pitchFamily="34" charset="0"/>
+              </a:defRPr>
+            </a:lvl5pPr>
+            <a:lvl6pPr marL="2514600" indent="-228600" eaLnBrk="0" fontAlgn="base" hangingPunct="0">
+              <a:spcBef>
+                <a:spcPct val="0"/>
+              </a:spcBef>
+              <a:spcAft>
+                <a:spcPct val="0"/>
+              </a:spcAft>
+              <a:defRPr sz="2400">
+                <a:solidFill>
+                  <a:schemeClr val="tx1"/>
+                </a:solidFill>
+                <a:latin typeface="Tahoma" panose="020B0604030504040204" pitchFamily="34" charset="0"/>
+              </a:defRPr>
+            </a:lvl6pPr>
+            <a:lvl7pPr marL="2971800" indent="-228600" eaLnBrk="0" fontAlgn="base" hangingPunct="0">
+              <a:spcBef>
+                <a:spcPct val="0"/>
+              </a:spcBef>
+              <a:spcAft>
+                <a:spcPct val="0"/>
+              </a:spcAft>
+              <a:defRPr sz="2400">
+                <a:solidFill>
+                  <a:schemeClr val="tx1"/>
+                </a:solidFill>
+                <a:latin typeface="Tahoma" panose="020B0604030504040204" pitchFamily="34" charset="0"/>
+              </a:defRPr>
+            </a:lvl7pPr>
+            <a:lvl8pPr marL="3429000" indent="-228600" eaLnBrk="0" fontAlgn="base" hangingPunct="0">
+              <a:spcBef>
+                <a:spcPct val="0"/>
+              </a:spcBef>
+              <a:spcAft>
+                <a:spcPct val="0"/>
+              </a:spcAft>
+              <a:defRPr sz="2400">
+                <a:solidFill>
+                  <a:schemeClr val="tx1"/>
+                </a:solidFill>
+                <a:latin typeface="Tahoma" panose="020B0604030504040204" pitchFamily="34" charset="0"/>
+              </a:defRPr>
+            </a:lvl8pPr>
+            <a:lvl9pPr marL="3886200" indent="-228600" eaLnBrk="0" fontAlgn="base" hangingPunct="0">
+              <a:spcBef>
+                <a:spcPct val="0"/>
+              </a:spcBef>
+              <a:spcAft>
+                <a:spcPct val="0"/>
+              </a:spcAft>
+              <a:defRPr sz="2400">
+                <a:solidFill>
+                  <a:schemeClr val="tx1"/>
+                </a:solidFill>
+                <a:latin typeface="Tahoma" panose="020B0604030504040204" pitchFamily="34" charset="0"/>
+              </a:defRPr>
+            </a:lvl9pPr>
+          </a:lstStyle>
+          <a:p>
+            <a:pPr eaLnBrk="1" hangingPunct="1"/>
+            <a:r>
+              <a:rPr kumimoji="1" lang="ru-RU" altLang="ru-RU" sz="4400" b="1" dirty="0">
+                <a:solidFill>
+                  <a:schemeClr val="tx2"/>
+                </a:solidFill>
+                <a:latin typeface="Times New Roman" panose="02020603050405020304" pitchFamily="18" charset="0"/>
+              </a:rPr>
+              <a:t>Программные обеспечения</a:t>
+            </a:r>
+            <a:r>
+              <a:rPr kumimoji="1" lang="en-US" altLang="ru-RU" sz="4400" b="1" dirty="0">
+                <a:solidFill>
+                  <a:schemeClr val="tx2"/>
+                </a:solidFill>
+                <a:latin typeface="Times New Roman" panose="02020603050405020304" pitchFamily="18" charset="0"/>
+              </a:rPr>
+              <a:t>:</a:t>
+            </a:r>
+            <a:endParaRPr kumimoji="1" lang="ru-RU" altLang="ru-RU" sz="4400" b="1" dirty="0">
+              <a:solidFill>
+                <a:schemeClr val="tx2"/>
+              </a:solidFill>
+              <a:latin typeface="Times New Roman" panose="02020603050405020304" pitchFamily="18" charset="0"/>
+            </a:endParaRPr>
+          </a:p>
+        </p:txBody>
+      </p:sp>
+      <p:sp>
+        <p:nvSpPr>
+          <p:cNvPr id="6" name="TextBox 5"/>
+          <p:cNvSpPr txBox="1"/>
+          <p:nvPr/>
+        </p:nvSpPr>
+        <p:spPr>
+          <a:xfrm>
+            <a:off x="523938" y="2179130"/>
+            <a:ext cx="10994145" cy="4154984"/>
+          </a:xfrm>
+          <a:prstGeom prst="rect">
+            <a:avLst/>
+          </a:prstGeom>
+          <a:noFill/>
+        </p:spPr>
+        <p:txBody>
+          <a:bodyPr wrap="square" rtlCol="0">
+            <a:spAutoFit/>
+          </a:bodyPr>
+          <a:lstStyle/>
+          <a:p>
+            <a:pPr indent="457200">
+              <a:buFont typeface="Arial" panose="020B0604020202020204" pitchFamily="34" charset="0"/>
+              <a:buChar char="•"/>
+            </a:pPr>
+            <a:r>
+              <a:rPr lang="en-US" sz="4400" dirty="0">
+                <a:latin typeface="Times New Roman" panose="02020603050405020304" pitchFamily="18" charset="0"/>
+                <a:cs typeface="Times New Roman" panose="02020603050405020304" pitchFamily="18" charset="0"/>
+              </a:rPr>
+              <a:t>Python</a:t>
+            </a:r>
+          </a:p>
+          <a:p>
+            <a:pPr indent="457200">
+              <a:buFont typeface="Arial" panose="020B0604020202020204" pitchFamily="34" charset="0"/>
+              <a:buChar char="•"/>
+            </a:pPr>
+            <a:r>
+              <a:rPr lang="ru-RU" sz="4400" dirty="0">
+                <a:latin typeface="Times New Roman" panose="02020603050405020304" pitchFamily="18" charset="0"/>
+                <a:cs typeface="Times New Roman" panose="02020603050405020304" pitchFamily="18" charset="0"/>
+              </a:rPr>
+              <a:t>Библиотеки</a:t>
+            </a:r>
+            <a:r>
+              <a:rPr lang="en-US" sz="4400" dirty="0">
+                <a:latin typeface="Times New Roman" panose="02020603050405020304" pitchFamily="18" charset="0"/>
+                <a:cs typeface="Times New Roman" panose="02020603050405020304" pitchFamily="18" charset="0"/>
+              </a:rPr>
+              <a:t> Python: </a:t>
+            </a:r>
+          </a:p>
+          <a:p>
+            <a:pPr indent="457200"/>
+            <a:r>
+              <a:rPr lang="en-US" sz="4400" dirty="0">
+                <a:latin typeface="Times New Roman" panose="02020603050405020304" pitchFamily="18" charset="0"/>
+                <a:cs typeface="Times New Roman" panose="02020603050405020304" pitchFamily="18" charset="0"/>
+              </a:rPr>
+              <a:t>   </a:t>
+            </a:r>
+            <a:r>
+              <a:rPr lang="en-US" sz="3200" dirty="0">
+                <a:latin typeface="Times New Roman" panose="02020603050405020304" pitchFamily="18" charset="0"/>
+                <a:cs typeface="Times New Roman" panose="02020603050405020304" pitchFamily="18" charset="0"/>
+              </a:rPr>
+              <a:t>Pyqt5, socket, Psycopg, threading, OpenCV</a:t>
+            </a:r>
+            <a:endParaRPr lang="en-US" sz="3200" dirty="0"/>
+          </a:p>
+          <a:p>
+            <a:pPr indent="457200">
+              <a:buFont typeface="Arial" panose="020B0604020202020204" pitchFamily="34" charset="0"/>
+              <a:buChar char="•"/>
+            </a:pPr>
+            <a:r>
+              <a:rPr lang="en-US" sz="4400" dirty="0">
+                <a:latin typeface="Times New Roman" panose="02020603050405020304" pitchFamily="18" charset="0"/>
+                <a:cs typeface="Times New Roman" panose="02020603050405020304" pitchFamily="18" charset="0"/>
+              </a:rPr>
+              <a:t>QtDesigner</a:t>
+            </a:r>
+            <a:endParaRPr lang="en-US" sz="4400" dirty="0"/>
+          </a:p>
+          <a:p>
+            <a:pPr indent="457200">
+              <a:buFont typeface="Arial" panose="020B0604020202020204" pitchFamily="34" charset="0"/>
+              <a:buChar char="•"/>
+            </a:pPr>
+            <a:r>
+              <a:rPr lang="en-US" sz="4400" dirty="0">
+                <a:latin typeface="Times New Roman" panose="02020603050405020304" pitchFamily="18" charset="0"/>
+                <a:cs typeface="Times New Roman" panose="02020603050405020304" pitchFamily="18" charset="0"/>
+              </a:rPr>
+              <a:t>PgAdmin</a:t>
+            </a:r>
+          </a:p>
+          <a:p>
+            <a:pPr indent="457200">
+              <a:buFont typeface="Arial" panose="020B0604020202020204" pitchFamily="34" charset="0"/>
+              <a:buChar char="•"/>
+            </a:pPr>
+            <a:r>
+              <a:rPr lang="en-US" sz="4400" dirty="0">
+                <a:latin typeface="Times New Roman" panose="02020603050405020304" pitchFamily="18" charset="0"/>
+                <a:cs typeface="Times New Roman" panose="02020603050405020304" pitchFamily="18" charset="0"/>
+              </a:rPr>
+              <a:t>MySQL Workbench</a:t>
+            </a:r>
+            <a:endParaRPr lang="ru-RU" sz="5400" dirty="0">
+              <a:latin typeface="Times New Roman" panose="02020603050405020304" pitchFamily="18" charset="0"/>
+              <a:cs typeface="Times New Roman" panose="02020603050405020304" pitchFamily="18" charset="0"/>
+            </a:endParaRPr>
+          </a:p>
+        </p:txBody>
+      </p:sp>
+    </p:spTree>
+    <p:extLst>
+      <p:ext uri="{BB962C8B-B14F-4D97-AF65-F5344CB8AC3E}">
+        <p14:creationId xmlns:p14="http://schemas.microsoft.com/office/powerpoint/2010/main" val="584431470"/>
+      </p:ext>
+    </p:extLst>
+  </p:cSld>
+  <p:clrMapOvr>
+    <a:masterClrMapping/>
+  </p:clrMapOvr>
+</p:sld>
+</file>
+
+<file path=ppt/slides/slide5.xml><?xml version="1.0" encoding="utf-8"?>
+<p:sld xmlns:a="http://schemas.openxmlformats.org/drawingml/2006/main" xmlns:r="http://schemas.openxmlformats.org/officeDocument/2006/relationships" xmlns:p="http://schemas.openxmlformats.org/presentationml/2006/main">
+  <p:cSld>
+    <p:spTree>
+      <p:nvGrpSpPr>
+        <p:cNvPr id="1" name=""/>
+        <p:cNvGrpSpPr/>
+        <p:nvPr/>
+      </p:nvGrpSpPr>
+      <p:grpSpPr>
+        <a:xfrm>
+          <a:off x="0" y="0"/>
+          <a:ext cx="0" cy="0"/>
+          <a:chOff x="0" y="0"/>
+          <a:chExt cx="0" cy="0"/>
+        </a:xfrm>
+      </p:grpSpPr>
+      <p:sp>
+        <p:nvSpPr>
           <p:cNvPr id="4" name="Rectangle 4"/>
           <p:cNvSpPr>
             <a:spLocks noChangeArrowheads="1"/>
@@ -9853,7 +11281,7 @@
 </p:sld>
 </file>
 
-<file path=ppt/slides/slide5.xml><?xml version="1.0" encoding="utf-8"?>
+<file path=ppt/slides/slide6.xml><?xml version="1.0" encoding="utf-8"?>
 <p:sld xmlns:a="http://schemas.openxmlformats.org/drawingml/2006/main" xmlns:r="http://schemas.openxmlformats.org/officeDocument/2006/relationships" xmlns:p="http://schemas.openxmlformats.org/presentationml/2006/main">
   <p:cSld>
     <p:spTree>
@@ -10373,7 +11801,7 @@
 </p:sld>
 </file>
 
-<file path=ppt/slides/slide6.xml><?xml version="1.0" encoding="utf-8"?>
+<file path=ppt/slides/slide7.xml><?xml version="1.0" encoding="utf-8"?>
 <p:sld xmlns:a="http://schemas.openxmlformats.org/drawingml/2006/main" xmlns:r="http://schemas.openxmlformats.org/officeDocument/2006/relationships" xmlns:p="http://schemas.openxmlformats.org/presentationml/2006/main">
   <p:cSld>
     <p:spTree>
@@ -10946,7 +12374,7 @@
 </p:sld>
 </file>
 
-<file path=ppt/slides/slide7.xml><?xml version="1.0" encoding="utf-8"?>
+<file path=ppt/slides/slide8.xml><?xml version="1.0" encoding="utf-8"?>
 <p:sld xmlns:a="http://schemas.openxmlformats.org/drawingml/2006/main" xmlns:r="http://schemas.openxmlformats.org/officeDocument/2006/relationships" xmlns:p="http://schemas.openxmlformats.org/presentationml/2006/main">
   <p:cSld>
     <p:spTree>
@@ -11466,7 +12894,7 @@
 </p:sld>
 </file>
 
-<file path=ppt/slides/slide8.xml><?xml version="1.0" encoding="utf-8"?>
+<file path=ppt/slides/slide9.xml><?xml version="1.0" encoding="utf-8"?>
 <p:sld xmlns:a="http://schemas.openxmlformats.org/drawingml/2006/main" xmlns:r="http://schemas.openxmlformats.org/officeDocument/2006/relationships" xmlns:p="http://schemas.openxmlformats.org/presentationml/2006/main">
   <p:cSld>
     <p:spTree>
@@ -11974,523 +13402,6 @@
     <p:extLst>
       <p:ext uri="{BB962C8B-B14F-4D97-AF65-F5344CB8AC3E}">
         <p14:creationId xmlns:p14="http://schemas.microsoft.com/office/powerpoint/2010/main" val="4008787928"/>
-      </p:ext>
-    </p:extLst>
-  </p:cSld>
-  <p:clrMapOvr>
-    <a:masterClrMapping/>
-  </p:clrMapOvr>
-</p:sld>
-</file>
-
-<file path=ppt/slides/slide9.xml><?xml version="1.0" encoding="utf-8"?>
-<p:sld xmlns:a="http://schemas.openxmlformats.org/drawingml/2006/main" xmlns:r="http://schemas.openxmlformats.org/officeDocument/2006/relationships" xmlns:p="http://schemas.openxmlformats.org/presentationml/2006/main">
-  <p:cSld>
-    <p:spTree>
-      <p:nvGrpSpPr>
-        <p:cNvPr id="1" name=""/>
-        <p:cNvGrpSpPr/>
-        <p:nvPr/>
-      </p:nvGrpSpPr>
-      <p:grpSpPr>
-        <a:xfrm>
-          <a:off x="0" y="0"/>
-          <a:ext cx="0" cy="0"/>
-          <a:chOff x="0" y="0"/>
-          <a:chExt cx="0" cy="0"/>
-        </a:xfrm>
-      </p:grpSpPr>
-      <p:sp>
-        <p:nvSpPr>
-          <p:cNvPr id="5" name="Rectangle 4"/>
-          <p:cNvSpPr>
-            <a:spLocks noChangeArrowheads="1"/>
-          </p:cNvSpPr>
-          <p:nvPr/>
-        </p:nvSpPr>
-        <p:spPr bwMode="auto">
-          <a:xfrm>
-            <a:off x="73972" y="-59814"/>
-            <a:ext cx="3494546" cy="523220"/>
-          </a:xfrm>
-          <a:prstGeom prst="rect">
-            <a:avLst/>
-          </a:prstGeom>
-          <a:noFill/>
-          <a:ln>
-            <a:noFill/>
-          </a:ln>
-          <a:effectLst/>
-          <a:extLst>
-            <a:ext uri="{909E8E84-426E-40DD-AFC4-6F175D3DCCD1}">
-              <a14:hiddenFill xmlns:a14="http://schemas.microsoft.com/office/drawing/2010/main">
-                <a:solidFill>
-                  <a:schemeClr val="accent1"/>
-                </a:solidFill>
-              </a14:hiddenFill>
-            </a:ext>
-            <a:ext uri="{91240B29-F687-4F45-9708-019B960494DF}">
-              <a14:hiddenLine xmlns:a14="http://schemas.microsoft.com/office/drawing/2010/main" w="9525">
-                <a:solidFill>
-                  <a:schemeClr val="tx1"/>
-                </a:solidFill>
-                <a:miter lim="800000"/>
-                <a:headEnd/>
-                <a:tailEnd/>
-              </a14:hiddenLine>
-            </a:ext>
-            <a:ext uri="{AF507438-7753-43E0-B8FC-AC1667EBCBE1}">
-              <a14:hiddenEffects xmlns:a14="http://schemas.microsoft.com/office/drawing/2010/main">
-                <a:effectLst>
-                  <a:outerShdw dist="35921" dir="2700000" algn="ctr" rotWithShape="0">
-                    <a:schemeClr val="bg2"/>
-                  </a:outerShdw>
-                </a:effectLst>
-              </a14:hiddenEffects>
-            </a:ext>
-          </a:extLst>
-        </p:spPr>
-        <p:txBody>
-          <a:bodyPr wrap="none">
-            <a:spAutoFit/>
-          </a:bodyPr>
-          <a:lstStyle>
-            <a:lvl1pPr eaLnBrk="0" hangingPunct="0">
-              <a:defRPr sz="2400">
-                <a:solidFill>
-                  <a:schemeClr val="tx1"/>
-                </a:solidFill>
-                <a:latin typeface="Tahoma" panose="020B0604030504040204" pitchFamily="34" charset="0"/>
-              </a:defRPr>
-            </a:lvl1pPr>
-            <a:lvl2pPr marL="742950" indent="-285750" eaLnBrk="0" hangingPunct="0">
-              <a:defRPr sz="2400">
-                <a:solidFill>
-                  <a:schemeClr val="tx1"/>
-                </a:solidFill>
-                <a:latin typeface="Tahoma" panose="020B0604030504040204" pitchFamily="34" charset="0"/>
-              </a:defRPr>
-            </a:lvl2pPr>
-            <a:lvl3pPr marL="1143000" indent="-228600" eaLnBrk="0" hangingPunct="0">
-              <a:defRPr sz="2400">
-                <a:solidFill>
-                  <a:schemeClr val="tx1"/>
-                </a:solidFill>
-                <a:latin typeface="Tahoma" panose="020B0604030504040204" pitchFamily="34" charset="0"/>
-              </a:defRPr>
-            </a:lvl3pPr>
-            <a:lvl4pPr marL="1600200" indent="-228600" eaLnBrk="0" hangingPunct="0">
-              <a:defRPr sz="2400">
-                <a:solidFill>
-                  <a:schemeClr val="tx1"/>
-                </a:solidFill>
-                <a:latin typeface="Tahoma" panose="020B0604030504040204" pitchFamily="34" charset="0"/>
-              </a:defRPr>
-            </a:lvl4pPr>
-            <a:lvl5pPr marL="2057400" indent="-228600" eaLnBrk="0" hangingPunct="0">
-              <a:defRPr sz="2400">
-                <a:solidFill>
-                  <a:schemeClr val="tx1"/>
-                </a:solidFill>
-                <a:latin typeface="Tahoma" panose="020B0604030504040204" pitchFamily="34" charset="0"/>
-              </a:defRPr>
-            </a:lvl5pPr>
-            <a:lvl6pPr marL="2514600" indent="-228600" eaLnBrk="0" fontAlgn="base" hangingPunct="0">
-              <a:spcBef>
-                <a:spcPct val="0"/>
-              </a:spcBef>
-              <a:spcAft>
-                <a:spcPct val="0"/>
-              </a:spcAft>
-              <a:defRPr sz="2400">
-                <a:solidFill>
-                  <a:schemeClr val="tx1"/>
-                </a:solidFill>
-                <a:latin typeface="Tahoma" panose="020B0604030504040204" pitchFamily="34" charset="0"/>
-              </a:defRPr>
-            </a:lvl6pPr>
-            <a:lvl7pPr marL="2971800" indent="-228600" eaLnBrk="0" fontAlgn="base" hangingPunct="0">
-              <a:spcBef>
-                <a:spcPct val="0"/>
-              </a:spcBef>
-              <a:spcAft>
-                <a:spcPct val="0"/>
-              </a:spcAft>
-              <a:defRPr sz="2400">
-                <a:solidFill>
-                  <a:schemeClr val="tx1"/>
-                </a:solidFill>
-                <a:latin typeface="Tahoma" panose="020B0604030504040204" pitchFamily="34" charset="0"/>
-              </a:defRPr>
-            </a:lvl7pPr>
-            <a:lvl8pPr marL="3429000" indent="-228600" eaLnBrk="0" fontAlgn="base" hangingPunct="0">
-              <a:spcBef>
-                <a:spcPct val="0"/>
-              </a:spcBef>
-              <a:spcAft>
-                <a:spcPct val="0"/>
-              </a:spcAft>
-              <a:defRPr sz="2400">
-                <a:solidFill>
-                  <a:schemeClr val="tx1"/>
-                </a:solidFill>
-                <a:latin typeface="Tahoma" panose="020B0604030504040204" pitchFamily="34" charset="0"/>
-              </a:defRPr>
-            </a:lvl8pPr>
-            <a:lvl9pPr marL="3886200" indent="-228600" eaLnBrk="0" fontAlgn="base" hangingPunct="0">
-              <a:spcBef>
-                <a:spcPct val="0"/>
-              </a:spcBef>
-              <a:spcAft>
-                <a:spcPct val="0"/>
-              </a:spcAft>
-              <a:defRPr sz="2400">
-                <a:solidFill>
-                  <a:schemeClr val="tx1"/>
-                </a:solidFill>
-                <a:latin typeface="Tahoma" panose="020B0604030504040204" pitchFamily="34" charset="0"/>
-              </a:defRPr>
-            </a:lvl9pPr>
-          </a:lstStyle>
-          <a:p>
-            <a:pPr algn="ctr" eaLnBrk="1" hangingPunct="1"/>
-            <a:r>
-              <a:rPr kumimoji="1" lang="ru-RU" altLang="ru-RU" sz="2800" b="1" dirty="0">
-                <a:solidFill>
-                  <a:schemeClr val="tx2"/>
-                </a:solidFill>
-                <a:latin typeface="Times New Roman" panose="02020603050405020304" pitchFamily="18" charset="0"/>
-              </a:rPr>
-              <a:t>Работа программы </a:t>
-            </a:r>
-          </a:p>
-        </p:txBody>
-      </p:sp>
-      <p:sp>
-        <p:nvSpPr>
-          <p:cNvPr id="11" name="TextBox 10"/>
-          <p:cNvSpPr txBox="1"/>
-          <p:nvPr/>
-        </p:nvSpPr>
-        <p:spPr>
-          <a:xfrm>
-            <a:off x="11623040" y="6041727"/>
-            <a:ext cx="389850" cy="584775"/>
-          </a:xfrm>
-          <a:prstGeom prst="rect">
-            <a:avLst/>
-          </a:prstGeom>
-          <a:noFill/>
-        </p:spPr>
-        <p:txBody>
-          <a:bodyPr wrap="none" rtlCol="0">
-            <a:spAutoFit/>
-          </a:bodyPr>
-          <a:lstStyle/>
-          <a:p>
-            <a:r>
-              <a:rPr lang="ru-RU" sz="3200" dirty="0">
-                <a:latin typeface="Times New Roman" panose="02020603050405020304" pitchFamily="18" charset="0"/>
-                <a:cs typeface="Times New Roman" panose="02020603050405020304" pitchFamily="18" charset="0"/>
-              </a:rPr>
-              <a:t>5</a:t>
-            </a:r>
-          </a:p>
-        </p:txBody>
-      </p:sp>
-      <p:sp>
-        <p:nvSpPr>
-          <p:cNvPr id="8" name="Rectangle 4">
-            <a:extLst>
-              <a:ext uri="{FF2B5EF4-FFF2-40B4-BE49-F238E27FC236}">
-                <a16:creationId xmlns:a16="http://schemas.microsoft.com/office/drawing/2014/main" id="{14CBA5E3-AC65-5C9C-8B44-32309BC1569F}"/>
-              </a:ext>
-            </a:extLst>
-          </p:cNvPr>
-          <p:cNvSpPr>
-            <a:spLocks noChangeArrowheads="1"/>
-          </p:cNvSpPr>
-          <p:nvPr/>
-        </p:nvSpPr>
-        <p:spPr bwMode="auto">
-          <a:xfrm>
-            <a:off x="73972" y="1208159"/>
-            <a:ext cx="3105466" cy="2585323"/>
-          </a:xfrm>
-          <a:prstGeom prst="rect">
-            <a:avLst/>
-          </a:prstGeom>
-          <a:noFill/>
-          <a:ln>
-            <a:noFill/>
-          </a:ln>
-          <a:effectLst/>
-          <a:extLst>
-            <a:ext uri="{909E8E84-426E-40DD-AFC4-6F175D3DCCD1}">
-              <a14:hiddenFill xmlns:a14="http://schemas.microsoft.com/office/drawing/2010/main">
-                <a:solidFill>
-                  <a:schemeClr val="accent1"/>
-                </a:solidFill>
-              </a14:hiddenFill>
-            </a:ext>
-            <a:ext uri="{91240B29-F687-4F45-9708-019B960494DF}">
-              <a14:hiddenLine xmlns:a14="http://schemas.microsoft.com/office/drawing/2010/main" w="9525">
-                <a:solidFill>
-                  <a:schemeClr val="tx1"/>
-                </a:solidFill>
-                <a:miter lim="800000"/>
-                <a:headEnd/>
-                <a:tailEnd/>
-              </a14:hiddenLine>
-            </a:ext>
-            <a:ext uri="{AF507438-7753-43E0-B8FC-AC1667EBCBE1}">
-              <a14:hiddenEffects xmlns:a14="http://schemas.microsoft.com/office/drawing/2010/main">
-                <a:effectLst>
-                  <a:outerShdw dist="35921" dir="2700000" algn="ctr" rotWithShape="0">
-                    <a:schemeClr val="bg2"/>
-                  </a:outerShdw>
-                </a:effectLst>
-              </a14:hiddenEffects>
-            </a:ext>
-          </a:extLst>
-        </p:spPr>
-        <p:txBody>
-          <a:bodyPr wrap="none">
-            <a:spAutoFit/>
-          </a:bodyPr>
-          <a:lstStyle>
-            <a:lvl1pPr eaLnBrk="0" hangingPunct="0">
-              <a:defRPr sz="2400">
-                <a:solidFill>
-                  <a:schemeClr val="tx1"/>
-                </a:solidFill>
-                <a:latin typeface="Tahoma" panose="020B0604030504040204" pitchFamily="34" charset="0"/>
-              </a:defRPr>
-            </a:lvl1pPr>
-            <a:lvl2pPr marL="742950" indent="-285750" eaLnBrk="0" hangingPunct="0">
-              <a:defRPr sz="2400">
-                <a:solidFill>
-                  <a:schemeClr val="tx1"/>
-                </a:solidFill>
-                <a:latin typeface="Tahoma" panose="020B0604030504040204" pitchFamily="34" charset="0"/>
-              </a:defRPr>
-            </a:lvl2pPr>
-            <a:lvl3pPr marL="1143000" indent="-228600" eaLnBrk="0" hangingPunct="0">
-              <a:defRPr sz="2400">
-                <a:solidFill>
-                  <a:schemeClr val="tx1"/>
-                </a:solidFill>
-                <a:latin typeface="Tahoma" panose="020B0604030504040204" pitchFamily="34" charset="0"/>
-              </a:defRPr>
-            </a:lvl3pPr>
-            <a:lvl4pPr marL="1600200" indent="-228600" eaLnBrk="0" hangingPunct="0">
-              <a:defRPr sz="2400">
-                <a:solidFill>
-                  <a:schemeClr val="tx1"/>
-                </a:solidFill>
-                <a:latin typeface="Tahoma" panose="020B0604030504040204" pitchFamily="34" charset="0"/>
-              </a:defRPr>
-            </a:lvl4pPr>
-            <a:lvl5pPr marL="2057400" indent="-228600" eaLnBrk="0" hangingPunct="0">
-              <a:defRPr sz="2400">
-                <a:solidFill>
-                  <a:schemeClr val="tx1"/>
-                </a:solidFill>
-                <a:latin typeface="Tahoma" panose="020B0604030504040204" pitchFamily="34" charset="0"/>
-              </a:defRPr>
-            </a:lvl5pPr>
-            <a:lvl6pPr marL="2514600" indent="-228600" eaLnBrk="0" fontAlgn="base" hangingPunct="0">
-              <a:spcBef>
-                <a:spcPct val="0"/>
-              </a:spcBef>
-              <a:spcAft>
-                <a:spcPct val="0"/>
-              </a:spcAft>
-              <a:defRPr sz="2400">
-                <a:solidFill>
-                  <a:schemeClr val="tx1"/>
-                </a:solidFill>
-                <a:latin typeface="Tahoma" panose="020B0604030504040204" pitchFamily="34" charset="0"/>
-              </a:defRPr>
-            </a:lvl6pPr>
-            <a:lvl7pPr marL="2971800" indent="-228600" eaLnBrk="0" fontAlgn="base" hangingPunct="0">
-              <a:spcBef>
-                <a:spcPct val="0"/>
-              </a:spcBef>
-              <a:spcAft>
-                <a:spcPct val="0"/>
-              </a:spcAft>
-              <a:defRPr sz="2400">
-                <a:solidFill>
-                  <a:schemeClr val="tx1"/>
-                </a:solidFill>
-                <a:latin typeface="Tahoma" panose="020B0604030504040204" pitchFamily="34" charset="0"/>
-              </a:defRPr>
-            </a:lvl7pPr>
-            <a:lvl8pPr marL="3429000" indent="-228600" eaLnBrk="0" fontAlgn="base" hangingPunct="0">
-              <a:spcBef>
-                <a:spcPct val="0"/>
-              </a:spcBef>
-              <a:spcAft>
-                <a:spcPct val="0"/>
-              </a:spcAft>
-              <a:defRPr sz="2400">
-                <a:solidFill>
-                  <a:schemeClr val="tx1"/>
-                </a:solidFill>
-                <a:latin typeface="Tahoma" panose="020B0604030504040204" pitchFamily="34" charset="0"/>
-              </a:defRPr>
-            </a:lvl8pPr>
-            <a:lvl9pPr marL="3886200" indent="-228600" eaLnBrk="0" fontAlgn="base" hangingPunct="0">
-              <a:spcBef>
-                <a:spcPct val="0"/>
-              </a:spcBef>
-              <a:spcAft>
-                <a:spcPct val="0"/>
-              </a:spcAft>
-              <a:defRPr sz="2400">
-                <a:solidFill>
-                  <a:schemeClr val="tx1"/>
-                </a:solidFill>
-                <a:latin typeface="Tahoma" panose="020B0604030504040204" pitchFamily="34" charset="0"/>
-              </a:defRPr>
-            </a:lvl9pPr>
-          </a:lstStyle>
-          <a:p>
-            <a:pPr eaLnBrk="1" hangingPunct="1"/>
-            <a:r>
-              <a:rPr kumimoji="1" lang="ru-RU" altLang="ru-RU" sz="3600" b="1" dirty="0">
-                <a:solidFill>
-                  <a:schemeClr val="tx2"/>
-                </a:solidFill>
-                <a:latin typeface="Times New Roman" panose="02020603050405020304" pitchFamily="18" charset="0"/>
-              </a:rPr>
-              <a:t>Персонал</a:t>
-            </a:r>
-            <a:endParaRPr kumimoji="1" lang="ru-RU" altLang="ru-RU" sz="1800" b="1" dirty="0">
-              <a:solidFill>
-                <a:schemeClr val="tx2"/>
-              </a:solidFill>
-              <a:latin typeface="Times New Roman" panose="02020603050405020304" pitchFamily="18" charset="0"/>
-            </a:endParaRPr>
-          </a:p>
-          <a:p>
-            <a:pPr eaLnBrk="1" hangingPunct="1"/>
-            <a:endParaRPr kumimoji="1" lang="ru-RU" altLang="ru-RU" sz="1800" b="1" dirty="0">
-              <a:solidFill>
-                <a:schemeClr val="tx2"/>
-              </a:solidFill>
-              <a:latin typeface="Times New Roman" panose="02020603050405020304" pitchFamily="18" charset="0"/>
-            </a:endParaRPr>
-          </a:p>
-          <a:p>
-            <a:pPr eaLnBrk="1" hangingPunct="1"/>
-            <a:r>
-              <a:rPr kumimoji="1" lang="ru-RU" altLang="ru-RU" sz="1800" b="1" dirty="0">
-                <a:solidFill>
-                  <a:schemeClr val="tx2"/>
-                </a:solidFill>
-                <a:latin typeface="Times New Roman" panose="02020603050405020304" pitchFamily="18" charset="0"/>
-              </a:rPr>
-              <a:t>1. Отображение </a:t>
-            </a:r>
-          </a:p>
-          <a:p>
-            <a:pPr eaLnBrk="1" hangingPunct="1"/>
-            <a:r>
-              <a:rPr kumimoji="1" lang="ru-RU" altLang="ru-RU" sz="1800" b="1" dirty="0">
-                <a:solidFill>
-                  <a:schemeClr val="tx2"/>
-                </a:solidFill>
-                <a:latin typeface="Times New Roman" panose="02020603050405020304" pitchFamily="18" charset="0"/>
-              </a:rPr>
-              <a:t>персонала и информации</a:t>
-            </a:r>
-          </a:p>
-          <a:p>
-            <a:pPr eaLnBrk="1" hangingPunct="1"/>
-            <a:endParaRPr kumimoji="1" lang="ru-RU" altLang="ru-RU" sz="1800" b="1" dirty="0">
-              <a:solidFill>
-                <a:schemeClr val="tx2"/>
-              </a:solidFill>
-              <a:latin typeface="Times New Roman" panose="02020603050405020304" pitchFamily="18" charset="0"/>
-            </a:endParaRPr>
-          </a:p>
-          <a:p>
-            <a:pPr eaLnBrk="1" hangingPunct="1"/>
-            <a:r>
-              <a:rPr kumimoji="1" lang="ru-RU" altLang="ru-RU" sz="1800" b="1" dirty="0">
-                <a:solidFill>
-                  <a:schemeClr val="tx2"/>
-                </a:solidFill>
-                <a:latin typeface="Times New Roman" panose="02020603050405020304" pitchFamily="18" charset="0"/>
-              </a:rPr>
-              <a:t>2. Добавление пользователя</a:t>
-            </a:r>
-          </a:p>
-          <a:p>
-            <a:pPr eaLnBrk="1" hangingPunct="1"/>
-            <a:endParaRPr kumimoji="1" lang="ru-RU" altLang="ru-RU" sz="1800" b="1" dirty="0">
-              <a:solidFill>
-                <a:schemeClr val="tx2"/>
-              </a:solidFill>
-              <a:latin typeface="Times New Roman" panose="02020603050405020304" pitchFamily="18" charset="0"/>
-            </a:endParaRPr>
-          </a:p>
-          <a:p>
-            <a:pPr eaLnBrk="1" hangingPunct="1"/>
-            <a:r>
-              <a:rPr kumimoji="1" lang="ru-RU" altLang="ru-RU" sz="1800" b="1" dirty="0">
-                <a:solidFill>
-                  <a:schemeClr val="tx2"/>
-                </a:solidFill>
-                <a:latin typeface="Times New Roman" panose="02020603050405020304" pitchFamily="18" charset="0"/>
-              </a:rPr>
-              <a:t>3. Удаление пользователя</a:t>
-            </a:r>
-          </a:p>
-        </p:txBody>
-      </p:sp>
-      <p:pic>
-        <p:nvPicPr>
-          <p:cNvPr id="3" name="Рисунок 2">
-            <a:extLst>
-              <a:ext uri="{FF2B5EF4-FFF2-40B4-BE49-F238E27FC236}">
-                <a16:creationId xmlns:a16="http://schemas.microsoft.com/office/drawing/2014/main" id="{2E458F29-5B0E-91E1-FE06-A5ADDE9517BB}"/>
-              </a:ext>
-            </a:extLst>
-          </p:cNvPr>
-          <p:cNvPicPr>
-            <a:picLocks noChangeAspect="1"/>
-          </p:cNvPicPr>
-          <p:nvPr/>
-        </p:nvPicPr>
-        <p:blipFill>
-          <a:blip r:embed="rId2">
-            <a:extLst>
-              <a:ext uri="{28A0092B-C50C-407E-A947-70E740481C1C}">
-                <a14:useLocalDpi xmlns:a14="http://schemas.microsoft.com/office/drawing/2010/main" val="0"/>
-              </a:ext>
-            </a:extLst>
-          </a:blip>
-          <a:stretch>
-            <a:fillRect/>
-          </a:stretch>
-        </p:blipFill>
-        <p:spPr>
-          <a:xfrm>
-            <a:off x="3127218" y="1593908"/>
-            <a:ext cx="9064781" cy="5264092"/>
-          </a:xfrm>
-          <a:prstGeom prst="rect">
-            <a:avLst/>
-          </a:prstGeom>
-        </p:spPr>
-      </p:pic>
-    </p:spTree>
-    <p:extLst>
-      <p:ext uri="{BB962C8B-B14F-4D97-AF65-F5344CB8AC3E}">
-        <p14:creationId xmlns:p14="http://schemas.microsoft.com/office/powerpoint/2010/main" val="1229821218"/>
       </p:ext>
     </p:extLst>
   </p:cSld>

--- a/diplom/Презентация_пример.pptx
+++ b/diplom/Презентация_пример.pptx
@@ -14,10 +14,11 @@
     <p:sldId id="261" r:id="rId8"/>
     <p:sldId id="264" r:id="rId9"/>
     <p:sldId id="265" r:id="rId10"/>
-    <p:sldId id="266" r:id="rId11"/>
-    <p:sldId id="268" r:id="rId12"/>
-    <p:sldId id="260" r:id="rId13"/>
-    <p:sldId id="259" r:id="rId14"/>
+    <p:sldId id="269" r:id="rId11"/>
+    <p:sldId id="266" r:id="rId12"/>
+    <p:sldId id="268" r:id="rId13"/>
+    <p:sldId id="260" r:id="rId14"/>
+    <p:sldId id="259" r:id="rId15"/>
   </p:sldIdLst>
   <p:sldSz cx="12192000" cy="6858000"/>
   <p:notesSz cx="6858000" cy="9144000"/>
@@ -398,7 +399,7 @@
           <a:p>
             <a:fld id="{F89B0F7B-28AC-4FA3-8BDC-BBCDF7F7C4FB}" type="datetimeFigureOut">
               <a:rPr lang="ru-RU" smtClean="0"/>
-              <a:t>27.03.2023</a:t>
+              <a:t>28.03.2023</a:t>
             </a:fld>
             <a:endParaRPr lang="ru-RU"/>
           </a:p>
@@ -812,7 +813,7 @@
           <a:p>
             <a:fld id="{F89B0F7B-28AC-4FA3-8BDC-BBCDF7F7C4FB}" type="datetimeFigureOut">
               <a:rPr lang="ru-RU" smtClean="0"/>
-              <a:t>27.03.2023</a:t>
+              <a:t>28.03.2023</a:t>
             </a:fld>
             <a:endParaRPr lang="ru-RU"/>
           </a:p>
@@ -1148,7 +1149,7 @@
           <a:p>
             <a:fld id="{F89B0F7B-28AC-4FA3-8BDC-BBCDF7F7C4FB}" type="datetimeFigureOut">
               <a:rPr lang="ru-RU" smtClean="0"/>
-              <a:t>27.03.2023</a:t>
+              <a:t>28.03.2023</a:t>
             </a:fld>
             <a:endParaRPr lang="ru-RU"/>
           </a:p>
@@ -1553,7 +1554,7 @@
           <a:p>
             <a:fld id="{F89B0F7B-28AC-4FA3-8BDC-BBCDF7F7C4FB}" type="datetimeFigureOut">
               <a:rPr lang="ru-RU" smtClean="0"/>
-              <a:t>27.03.2023</a:t>
+              <a:t>28.03.2023</a:t>
             </a:fld>
             <a:endParaRPr lang="ru-RU"/>
           </a:p>
@@ -2121,7 +2122,7 @@
           <a:p>
             <a:fld id="{F89B0F7B-28AC-4FA3-8BDC-BBCDF7F7C4FB}" type="datetimeFigureOut">
               <a:rPr lang="ru-RU" smtClean="0"/>
-              <a:t>27.03.2023</a:t>
+              <a:t>28.03.2023</a:t>
             </a:fld>
             <a:endParaRPr lang="ru-RU"/>
           </a:p>
@@ -2802,7 +2803,7 @@
           <a:p>
             <a:fld id="{F89B0F7B-28AC-4FA3-8BDC-BBCDF7F7C4FB}" type="datetimeFigureOut">
               <a:rPr lang="ru-RU" smtClean="0"/>
-              <a:t>27.03.2023</a:t>
+              <a:t>28.03.2023</a:t>
             </a:fld>
             <a:endParaRPr lang="ru-RU"/>
           </a:p>
@@ -3715,7 +3716,7 @@
           <a:p>
             <a:fld id="{F89B0F7B-28AC-4FA3-8BDC-BBCDF7F7C4FB}" type="datetimeFigureOut">
               <a:rPr lang="ru-RU" smtClean="0"/>
-              <a:t>27.03.2023</a:t>
+              <a:t>28.03.2023</a:t>
             </a:fld>
             <a:endParaRPr lang="ru-RU"/>
           </a:p>
@@ -4028,7 +4029,7 @@
           <a:p>
             <a:fld id="{F89B0F7B-28AC-4FA3-8BDC-BBCDF7F7C4FB}" type="datetimeFigureOut">
               <a:rPr lang="ru-RU" smtClean="0"/>
-              <a:t>27.03.2023</a:t>
+              <a:t>28.03.2023</a:t>
             </a:fld>
             <a:endParaRPr lang="ru-RU"/>
           </a:p>
@@ -4292,7 +4293,7 @@
           <a:p>
             <a:fld id="{F89B0F7B-28AC-4FA3-8BDC-BBCDF7F7C4FB}" type="datetimeFigureOut">
               <a:rPr lang="ru-RU" smtClean="0"/>
-              <a:t>27.03.2023</a:t>
+              <a:t>28.03.2023</a:t>
             </a:fld>
             <a:endParaRPr lang="ru-RU"/>
           </a:p>
@@ -4615,7 +4616,7 @@
           <a:p>
             <a:fld id="{F89B0F7B-28AC-4FA3-8BDC-BBCDF7F7C4FB}" type="datetimeFigureOut">
               <a:rPr lang="ru-RU" smtClean="0"/>
-              <a:t>27.03.2023</a:t>
+              <a:t>28.03.2023</a:t>
             </a:fld>
             <a:endParaRPr lang="ru-RU"/>
           </a:p>
@@ -5004,7 +5005,7 @@
           <a:p>
             <a:fld id="{F89B0F7B-28AC-4FA3-8BDC-BBCDF7F7C4FB}" type="datetimeFigureOut">
               <a:rPr lang="ru-RU" smtClean="0"/>
-              <a:t>27.03.2023</a:t>
+              <a:t>28.03.2023</a:t>
             </a:fld>
             <a:endParaRPr lang="ru-RU"/>
           </a:p>
@@ -5380,7 +5381,7 @@
           <a:p>
             <a:fld id="{F89B0F7B-28AC-4FA3-8BDC-BBCDF7F7C4FB}" type="datetimeFigureOut">
               <a:rPr lang="ru-RU" smtClean="0"/>
-              <a:t>27.03.2023</a:t>
+              <a:t>28.03.2023</a:t>
             </a:fld>
             <a:endParaRPr lang="ru-RU"/>
           </a:p>
@@ -5886,7 +5887,7 @@
           <a:p>
             <a:fld id="{F89B0F7B-28AC-4FA3-8BDC-BBCDF7F7C4FB}" type="datetimeFigureOut">
               <a:rPr lang="ru-RU" smtClean="0"/>
-              <a:t>27.03.2023</a:t>
+              <a:t>28.03.2023</a:t>
             </a:fld>
             <a:endParaRPr lang="ru-RU"/>
           </a:p>
@@ -6143,7 +6144,7 @@
           <a:p>
             <a:fld id="{F89B0F7B-28AC-4FA3-8BDC-BBCDF7F7C4FB}" type="datetimeFigureOut">
               <a:rPr lang="ru-RU" smtClean="0"/>
-              <a:t>27.03.2023</a:t>
+              <a:t>28.03.2023</a:t>
             </a:fld>
             <a:endParaRPr lang="ru-RU"/>
           </a:p>
@@ -6306,7 +6307,7 @@
           <a:p>
             <a:fld id="{F89B0F7B-28AC-4FA3-8BDC-BBCDF7F7C4FB}" type="datetimeFigureOut">
               <a:rPr lang="ru-RU" smtClean="0"/>
-              <a:t>27.03.2023</a:t>
+              <a:t>28.03.2023</a:t>
             </a:fld>
             <a:endParaRPr lang="ru-RU"/>
           </a:p>
@@ -6696,7 +6697,7 @@
           <a:p>
             <a:fld id="{F89B0F7B-28AC-4FA3-8BDC-BBCDF7F7C4FB}" type="datetimeFigureOut">
               <a:rPr lang="ru-RU" smtClean="0"/>
-              <a:t>27.03.2023</a:t>
+              <a:t>28.03.2023</a:t>
             </a:fld>
             <a:endParaRPr lang="ru-RU"/>
           </a:p>
@@ -7105,7 +7106,7 @@
           <a:p>
             <a:fld id="{F89B0F7B-28AC-4FA3-8BDC-BBCDF7F7C4FB}" type="datetimeFigureOut">
               <a:rPr lang="ru-RU" smtClean="0"/>
-              <a:t>27.03.2023</a:t>
+              <a:t>28.03.2023</a:t>
             </a:fld>
             <a:endParaRPr lang="ru-RU"/>
           </a:p>
@@ -7349,7 +7350,7 @@
           <a:p>
             <a:fld id="{F89B0F7B-28AC-4FA3-8BDC-BBCDF7F7C4FB}" type="datetimeFigureOut">
               <a:rPr lang="ru-RU" smtClean="0"/>
-              <a:t>27.03.2023</a:t>
+              <a:t>28.03.2023</a:t>
             </a:fld>
             <a:endParaRPr lang="ru-RU"/>
           </a:p>
@@ -8312,6 +8313,525 @@
         </p:nvSpPr>
         <p:spPr bwMode="auto">
           <a:xfrm>
+            <a:off x="73972" y="1229147"/>
+            <a:ext cx="2954078" cy="2800767"/>
+          </a:xfrm>
+          <a:prstGeom prst="rect">
+            <a:avLst/>
+          </a:prstGeom>
+          <a:noFill/>
+          <a:ln>
+            <a:noFill/>
+          </a:ln>
+          <a:effectLst/>
+          <a:extLst>
+            <a:ext uri="{909E8E84-426E-40DD-AFC4-6F175D3DCCD1}">
+              <a14:hiddenFill xmlns:a14="http://schemas.microsoft.com/office/drawing/2010/main">
+                <a:solidFill>
+                  <a:schemeClr val="accent1"/>
+                </a:solidFill>
+              </a14:hiddenFill>
+            </a:ext>
+            <a:ext uri="{91240B29-F687-4F45-9708-019B960494DF}">
+              <a14:hiddenLine xmlns:a14="http://schemas.microsoft.com/office/drawing/2010/main" w="9525">
+                <a:solidFill>
+                  <a:schemeClr val="tx1"/>
+                </a:solidFill>
+                <a:miter lim="800000"/>
+                <a:headEnd/>
+                <a:tailEnd/>
+              </a14:hiddenLine>
+            </a:ext>
+            <a:ext uri="{AF507438-7753-43E0-B8FC-AC1667EBCBE1}">
+              <a14:hiddenEffects xmlns:a14="http://schemas.microsoft.com/office/drawing/2010/main">
+                <a:effectLst>
+                  <a:outerShdw dist="35921" dir="2700000" algn="ctr" rotWithShape="0">
+                    <a:schemeClr val="bg2"/>
+                  </a:outerShdw>
+                </a:effectLst>
+              </a14:hiddenEffects>
+            </a:ext>
+          </a:extLst>
+        </p:spPr>
+        <p:txBody>
+          <a:bodyPr wrap="none">
+            <a:spAutoFit/>
+          </a:bodyPr>
+          <a:lstStyle>
+            <a:lvl1pPr eaLnBrk="0" hangingPunct="0">
+              <a:defRPr sz="2400">
+                <a:solidFill>
+                  <a:schemeClr val="tx1"/>
+                </a:solidFill>
+                <a:latin typeface="Tahoma" panose="020B0604030504040204" pitchFamily="34" charset="0"/>
+              </a:defRPr>
+            </a:lvl1pPr>
+            <a:lvl2pPr marL="742950" indent="-285750" eaLnBrk="0" hangingPunct="0">
+              <a:defRPr sz="2400">
+                <a:solidFill>
+                  <a:schemeClr val="tx1"/>
+                </a:solidFill>
+                <a:latin typeface="Tahoma" panose="020B0604030504040204" pitchFamily="34" charset="0"/>
+              </a:defRPr>
+            </a:lvl2pPr>
+            <a:lvl3pPr marL="1143000" indent="-228600" eaLnBrk="0" hangingPunct="0">
+              <a:defRPr sz="2400">
+                <a:solidFill>
+                  <a:schemeClr val="tx1"/>
+                </a:solidFill>
+                <a:latin typeface="Tahoma" panose="020B0604030504040204" pitchFamily="34" charset="0"/>
+              </a:defRPr>
+            </a:lvl3pPr>
+            <a:lvl4pPr marL="1600200" indent="-228600" eaLnBrk="0" hangingPunct="0">
+              <a:defRPr sz="2400">
+                <a:solidFill>
+                  <a:schemeClr val="tx1"/>
+                </a:solidFill>
+                <a:latin typeface="Tahoma" panose="020B0604030504040204" pitchFamily="34" charset="0"/>
+              </a:defRPr>
+            </a:lvl4pPr>
+            <a:lvl5pPr marL="2057400" indent="-228600" eaLnBrk="0" hangingPunct="0">
+              <a:defRPr sz="2400">
+                <a:solidFill>
+                  <a:schemeClr val="tx1"/>
+                </a:solidFill>
+                <a:latin typeface="Tahoma" panose="020B0604030504040204" pitchFamily="34" charset="0"/>
+              </a:defRPr>
+            </a:lvl5pPr>
+            <a:lvl6pPr marL="2514600" indent="-228600" eaLnBrk="0" fontAlgn="base" hangingPunct="0">
+              <a:spcBef>
+                <a:spcPct val="0"/>
+              </a:spcBef>
+              <a:spcAft>
+                <a:spcPct val="0"/>
+              </a:spcAft>
+              <a:defRPr sz="2400">
+                <a:solidFill>
+                  <a:schemeClr val="tx1"/>
+                </a:solidFill>
+                <a:latin typeface="Tahoma" panose="020B0604030504040204" pitchFamily="34" charset="0"/>
+              </a:defRPr>
+            </a:lvl6pPr>
+            <a:lvl7pPr marL="2971800" indent="-228600" eaLnBrk="0" fontAlgn="base" hangingPunct="0">
+              <a:spcBef>
+                <a:spcPct val="0"/>
+              </a:spcBef>
+              <a:spcAft>
+                <a:spcPct val="0"/>
+              </a:spcAft>
+              <a:defRPr sz="2400">
+                <a:solidFill>
+                  <a:schemeClr val="tx1"/>
+                </a:solidFill>
+                <a:latin typeface="Tahoma" panose="020B0604030504040204" pitchFamily="34" charset="0"/>
+              </a:defRPr>
+            </a:lvl7pPr>
+            <a:lvl8pPr marL="3429000" indent="-228600" eaLnBrk="0" fontAlgn="base" hangingPunct="0">
+              <a:spcBef>
+                <a:spcPct val="0"/>
+              </a:spcBef>
+              <a:spcAft>
+                <a:spcPct val="0"/>
+              </a:spcAft>
+              <a:defRPr sz="2400">
+                <a:solidFill>
+                  <a:schemeClr val="tx1"/>
+                </a:solidFill>
+                <a:latin typeface="Tahoma" panose="020B0604030504040204" pitchFamily="34" charset="0"/>
+              </a:defRPr>
+            </a:lvl8pPr>
+            <a:lvl9pPr marL="3886200" indent="-228600" eaLnBrk="0" fontAlgn="base" hangingPunct="0">
+              <a:spcBef>
+                <a:spcPct val="0"/>
+              </a:spcBef>
+              <a:spcAft>
+                <a:spcPct val="0"/>
+              </a:spcAft>
+              <a:defRPr sz="2400">
+                <a:solidFill>
+                  <a:schemeClr val="tx1"/>
+                </a:solidFill>
+                <a:latin typeface="Tahoma" panose="020B0604030504040204" pitchFamily="34" charset="0"/>
+              </a:defRPr>
+            </a:lvl9pPr>
+          </a:lstStyle>
+          <a:p>
+            <a:pPr eaLnBrk="1" hangingPunct="1"/>
+            <a:r>
+              <a:rPr kumimoji="1" lang="ru-RU" altLang="ru-RU" sz="3600" b="1" dirty="0">
+                <a:solidFill>
+                  <a:schemeClr val="tx2"/>
+                </a:solidFill>
+                <a:latin typeface="Times New Roman" panose="02020603050405020304" pitchFamily="18" charset="0"/>
+              </a:rPr>
+              <a:t>Ремонты</a:t>
+            </a:r>
+            <a:endParaRPr kumimoji="1" lang="ru-RU" altLang="ru-RU" sz="2000" b="1" dirty="0">
+              <a:solidFill>
+                <a:schemeClr val="tx2"/>
+              </a:solidFill>
+              <a:latin typeface="Times New Roman" panose="02020603050405020304" pitchFamily="18" charset="0"/>
+            </a:endParaRPr>
+          </a:p>
+          <a:p>
+            <a:pPr eaLnBrk="1" hangingPunct="1"/>
+            <a:endParaRPr kumimoji="1" lang="ru-RU" altLang="ru-RU" sz="2000" b="1" dirty="0">
+              <a:solidFill>
+                <a:schemeClr val="tx2"/>
+              </a:solidFill>
+              <a:latin typeface="Times New Roman" panose="02020603050405020304" pitchFamily="18" charset="0"/>
+            </a:endParaRPr>
+          </a:p>
+          <a:p>
+            <a:pPr marL="457200" indent="-457200" eaLnBrk="1" hangingPunct="1">
+              <a:buAutoNum type="arabicPeriod"/>
+            </a:pPr>
+            <a:r>
+              <a:rPr kumimoji="1" lang="ru-RU" altLang="ru-RU" sz="2000" b="1" dirty="0">
+                <a:solidFill>
+                  <a:schemeClr val="tx2"/>
+                </a:solidFill>
+                <a:latin typeface="Times New Roman" panose="02020603050405020304" pitchFamily="18" charset="0"/>
+              </a:rPr>
+              <a:t>Отображение </a:t>
+            </a:r>
+          </a:p>
+          <a:p>
+            <a:pPr eaLnBrk="1" hangingPunct="1"/>
+            <a:r>
+              <a:rPr kumimoji="1" lang="ru-RU" altLang="ru-RU" sz="2000" b="1" dirty="0">
+                <a:solidFill>
+                  <a:schemeClr val="tx2"/>
+                </a:solidFill>
+                <a:latin typeface="Times New Roman" panose="02020603050405020304" pitchFamily="18" charset="0"/>
+              </a:rPr>
+              <a:t>выполненных работ</a:t>
+            </a:r>
+          </a:p>
+          <a:p>
+            <a:pPr eaLnBrk="1" hangingPunct="1"/>
+            <a:endParaRPr kumimoji="1" lang="ru-RU" altLang="ru-RU" sz="2000" b="1" dirty="0">
+              <a:solidFill>
+                <a:schemeClr val="tx2"/>
+              </a:solidFill>
+              <a:latin typeface="Times New Roman" panose="02020603050405020304" pitchFamily="18" charset="0"/>
+            </a:endParaRPr>
+          </a:p>
+          <a:p>
+            <a:pPr eaLnBrk="1" hangingPunct="1"/>
+            <a:r>
+              <a:rPr kumimoji="1" lang="ru-RU" altLang="ru-RU" sz="2000" b="1" dirty="0">
+                <a:solidFill>
+                  <a:schemeClr val="tx2"/>
+                </a:solidFill>
+                <a:latin typeface="Times New Roman" panose="02020603050405020304" pitchFamily="18" charset="0"/>
+              </a:rPr>
+              <a:t>2. Добавление ремонтов</a:t>
+            </a:r>
+          </a:p>
+          <a:p>
+            <a:pPr eaLnBrk="1" hangingPunct="1"/>
+            <a:endParaRPr kumimoji="1" lang="ru-RU" altLang="ru-RU" sz="2000" b="1" dirty="0">
+              <a:solidFill>
+                <a:schemeClr val="tx2"/>
+              </a:solidFill>
+              <a:latin typeface="Times New Roman" panose="02020603050405020304" pitchFamily="18" charset="0"/>
+            </a:endParaRPr>
+          </a:p>
+          <a:p>
+            <a:pPr eaLnBrk="1" hangingPunct="1"/>
+            <a:r>
+              <a:rPr kumimoji="1" lang="ru-RU" altLang="ru-RU" sz="2000" b="1" dirty="0">
+                <a:solidFill>
+                  <a:schemeClr val="tx2"/>
+                </a:solidFill>
+                <a:latin typeface="Times New Roman" panose="02020603050405020304" pitchFamily="18" charset="0"/>
+              </a:rPr>
+              <a:t>3. Удаление ремонтов</a:t>
+            </a:r>
+          </a:p>
+        </p:txBody>
+      </p:sp>
+      <p:pic>
+        <p:nvPicPr>
+          <p:cNvPr id="3" name="Рисунок 2">
+            <a:extLst>
+              <a:ext uri="{FF2B5EF4-FFF2-40B4-BE49-F238E27FC236}">
+                <a16:creationId xmlns:a16="http://schemas.microsoft.com/office/drawing/2014/main" id="{5F07CE7C-C0FD-D6D5-18B8-1AAD92CC0D15}"/>
+              </a:ext>
+            </a:extLst>
+          </p:cNvPr>
+          <p:cNvPicPr>
+            <a:picLocks noChangeAspect="1"/>
+          </p:cNvPicPr>
+          <p:nvPr/>
+        </p:nvPicPr>
+        <p:blipFill>
+          <a:blip r:embed="rId2">
+            <a:extLst>
+              <a:ext uri="{28A0092B-C50C-407E-A947-70E740481C1C}">
+                <a14:useLocalDpi xmlns:a14="http://schemas.microsoft.com/office/drawing/2010/main" val="0"/>
+              </a:ext>
+            </a:extLst>
+          </a:blip>
+          <a:stretch>
+            <a:fillRect/>
+          </a:stretch>
+        </p:blipFill>
+        <p:spPr>
+          <a:xfrm>
+            <a:off x="3151353" y="1149293"/>
+            <a:ext cx="9109608" cy="4786404"/>
+          </a:xfrm>
+          <a:prstGeom prst="rect">
+            <a:avLst/>
+          </a:prstGeom>
+        </p:spPr>
+      </p:pic>
+    </p:spTree>
+    <p:extLst>
+      <p:ext uri="{BB962C8B-B14F-4D97-AF65-F5344CB8AC3E}">
+        <p14:creationId xmlns:p14="http://schemas.microsoft.com/office/powerpoint/2010/main" val="2621887012"/>
+      </p:ext>
+    </p:extLst>
+  </p:cSld>
+  <p:clrMapOvr>
+    <a:masterClrMapping/>
+  </p:clrMapOvr>
+</p:sld>
+</file>
+
+<file path=ppt/slides/slide11.xml><?xml version="1.0" encoding="utf-8"?>
+<p:sld xmlns:a="http://schemas.openxmlformats.org/drawingml/2006/main" xmlns:r="http://schemas.openxmlformats.org/officeDocument/2006/relationships" xmlns:p="http://schemas.openxmlformats.org/presentationml/2006/main">
+  <p:cSld>
+    <p:spTree>
+      <p:nvGrpSpPr>
+        <p:cNvPr id="1" name=""/>
+        <p:cNvGrpSpPr/>
+        <p:nvPr/>
+      </p:nvGrpSpPr>
+      <p:grpSpPr>
+        <a:xfrm>
+          <a:off x="0" y="0"/>
+          <a:ext cx="0" cy="0"/>
+          <a:chOff x="0" y="0"/>
+          <a:chExt cx="0" cy="0"/>
+        </a:xfrm>
+      </p:grpSpPr>
+      <p:sp>
+        <p:nvSpPr>
+          <p:cNvPr id="5" name="Rectangle 4"/>
+          <p:cNvSpPr>
+            <a:spLocks noChangeArrowheads="1"/>
+          </p:cNvSpPr>
+          <p:nvPr/>
+        </p:nvSpPr>
+        <p:spPr bwMode="auto">
+          <a:xfrm>
+            <a:off x="73972" y="-59814"/>
+            <a:ext cx="3494546" cy="523220"/>
+          </a:xfrm>
+          <a:prstGeom prst="rect">
+            <a:avLst/>
+          </a:prstGeom>
+          <a:noFill/>
+          <a:ln>
+            <a:noFill/>
+          </a:ln>
+          <a:effectLst/>
+          <a:extLst>
+            <a:ext uri="{909E8E84-426E-40DD-AFC4-6F175D3DCCD1}">
+              <a14:hiddenFill xmlns:a14="http://schemas.microsoft.com/office/drawing/2010/main">
+                <a:solidFill>
+                  <a:schemeClr val="accent1"/>
+                </a:solidFill>
+              </a14:hiddenFill>
+            </a:ext>
+            <a:ext uri="{91240B29-F687-4F45-9708-019B960494DF}">
+              <a14:hiddenLine xmlns:a14="http://schemas.microsoft.com/office/drawing/2010/main" w="9525">
+                <a:solidFill>
+                  <a:schemeClr val="tx1"/>
+                </a:solidFill>
+                <a:miter lim="800000"/>
+                <a:headEnd/>
+                <a:tailEnd/>
+              </a14:hiddenLine>
+            </a:ext>
+            <a:ext uri="{AF507438-7753-43E0-B8FC-AC1667EBCBE1}">
+              <a14:hiddenEffects xmlns:a14="http://schemas.microsoft.com/office/drawing/2010/main">
+                <a:effectLst>
+                  <a:outerShdw dist="35921" dir="2700000" algn="ctr" rotWithShape="0">
+                    <a:schemeClr val="bg2"/>
+                  </a:outerShdw>
+                </a:effectLst>
+              </a14:hiddenEffects>
+            </a:ext>
+          </a:extLst>
+        </p:spPr>
+        <p:txBody>
+          <a:bodyPr wrap="none">
+            <a:spAutoFit/>
+          </a:bodyPr>
+          <a:lstStyle>
+            <a:lvl1pPr eaLnBrk="0" hangingPunct="0">
+              <a:defRPr sz="2400">
+                <a:solidFill>
+                  <a:schemeClr val="tx1"/>
+                </a:solidFill>
+                <a:latin typeface="Tahoma" panose="020B0604030504040204" pitchFamily="34" charset="0"/>
+              </a:defRPr>
+            </a:lvl1pPr>
+            <a:lvl2pPr marL="742950" indent="-285750" eaLnBrk="0" hangingPunct="0">
+              <a:defRPr sz="2400">
+                <a:solidFill>
+                  <a:schemeClr val="tx1"/>
+                </a:solidFill>
+                <a:latin typeface="Tahoma" panose="020B0604030504040204" pitchFamily="34" charset="0"/>
+              </a:defRPr>
+            </a:lvl2pPr>
+            <a:lvl3pPr marL="1143000" indent="-228600" eaLnBrk="0" hangingPunct="0">
+              <a:defRPr sz="2400">
+                <a:solidFill>
+                  <a:schemeClr val="tx1"/>
+                </a:solidFill>
+                <a:latin typeface="Tahoma" panose="020B0604030504040204" pitchFamily="34" charset="0"/>
+              </a:defRPr>
+            </a:lvl3pPr>
+            <a:lvl4pPr marL="1600200" indent="-228600" eaLnBrk="0" hangingPunct="0">
+              <a:defRPr sz="2400">
+                <a:solidFill>
+                  <a:schemeClr val="tx1"/>
+                </a:solidFill>
+                <a:latin typeface="Tahoma" panose="020B0604030504040204" pitchFamily="34" charset="0"/>
+              </a:defRPr>
+            </a:lvl4pPr>
+            <a:lvl5pPr marL="2057400" indent="-228600" eaLnBrk="0" hangingPunct="0">
+              <a:defRPr sz="2400">
+                <a:solidFill>
+                  <a:schemeClr val="tx1"/>
+                </a:solidFill>
+                <a:latin typeface="Tahoma" panose="020B0604030504040204" pitchFamily="34" charset="0"/>
+              </a:defRPr>
+            </a:lvl5pPr>
+            <a:lvl6pPr marL="2514600" indent="-228600" eaLnBrk="0" fontAlgn="base" hangingPunct="0">
+              <a:spcBef>
+                <a:spcPct val="0"/>
+              </a:spcBef>
+              <a:spcAft>
+                <a:spcPct val="0"/>
+              </a:spcAft>
+              <a:defRPr sz="2400">
+                <a:solidFill>
+                  <a:schemeClr val="tx1"/>
+                </a:solidFill>
+                <a:latin typeface="Tahoma" panose="020B0604030504040204" pitchFamily="34" charset="0"/>
+              </a:defRPr>
+            </a:lvl6pPr>
+            <a:lvl7pPr marL="2971800" indent="-228600" eaLnBrk="0" fontAlgn="base" hangingPunct="0">
+              <a:spcBef>
+                <a:spcPct val="0"/>
+              </a:spcBef>
+              <a:spcAft>
+                <a:spcPct val="0"/>
+              </a:spcAft>
+              <a:defRPr sz="2400">
+                <a:solidFill>
+                  <a:schemeClr val="tx1"/>
+                </a:solidFill>
+                <a:latin typeface="Tahoma" panose="020B0604030504040204" pitchFamily="34" charset="0"/>
+              </a:defRPr>
+            </a:lvl7pPr>
+            <a:lvl8pPr marL="3429000" indent="-228600" eaLnBrk="0" fontAlgn="base" hangingPunct="0">
+              <a:spcBef>
+                <a:spcPct val="0"/>
+              </a:spcBef>
+              <a:spcAft>
+                <a:spcPct val="0"/>
+              </a:spcAft>
+              <a:defRPr sz="2400">
+                <a:solidFill>
+                  <a:schemeClr val="tx1"/>
+                </a:solidFill>
+                <a:latin typeface="Tahoma" panose="020B0604030504040204" pitchFamily="34" charset="0"/>
+              </a:defRPr>
+            </a:lvl8pPr>
+            <a:lvl9pPr marL="3886200" indent="-228600" eaLnBrk="0" fontAlgn="base" hangingPunct="0">
+              <a:spcBef>
+                <a:spcPct val="0"/>
+              </a:spcBef>
+              <a:spcAft>
+                <a:spcPct val="0"/>
+              </a:spcAft>
+              <a:defRPr sz="2400">
+                <a:solidFill>
+                  <a:schemeClr val="tx1"/>
+                </a:solidFill>
+                <a:latin typeface="Tahoma" panose="020B0604030504040204" pitchFamily="34" charset="0"/>
+              </a:defRPr>
+            </a:lvl9pPr>
+          </a:lstStyle>
+          <a:p>
+            <a:pPr algn="ctr" eaLnBrk="1" hangingPunct="1"/>
+            <a:r>
+              <a:rPr kumimoji="1" lang="ru-RU" altLang="ru-RU" sz="2800" b="1" dirty="0">
+                <a:solidFill>
+                  <a:schemeClr val="tx2"/>
+                </a:solidFill>
+                <a:latin typeface="Times New Roman" panose="02020603050405020304" pitchFamily="18" charset="0"/>
+              </a:rPr>
+              <a:t>Работа программы </a:t>
+            </a:r>
+          </a:p>
+        </p:txBody>
+      </p:sp>
+      <p:sp>
+        <p:nvSpPr>
+          <p:cNvPr id="11" name="TextBox 10"/>
+          <p:cNvSpPr txBox="1"/>
+          <p:nvPr/>
+        </p:nvSpPr>
+        <p:spPr>
+          <a:xfrm>
+            <a:off x="11623040" y="6041727"/>
+            <a:ext cx="389850" cy="584775"/>
+          </a:xfrm>
+          <a:prstGeom prst="rect">
+            <a:avLst/>
+          </a:prstGeom>
+          <a:noFill/>
+        </p:spPr>
+        <p:txBody>
+          <a:bodyPr wrap="none" rtlCol="0">
+            <a:spAutoFit/>
+          </a:bodyPr>
+          <a:lstStyle/>
+          <a:p>
+            <a:r>
+              <a:rPr lang="ru-RU" sz="3200" dirty="0">
+                <a:latin typeface="Times New Roman" panose="02020603050405020304" pitchFamily="18" charset="0"/>
+                <a:cs typeface="Times New Roman" panose="02020603050405020304" pitchFamily="18" charset="0"/>
+              </a:rPr>
+              <a:t>5</a:t>
+            </a:r>
+          </a:p>
+        </p:txBody>
+      </p:sp>
+      <p:sp>
+        <p:nvSpPr>
+          <p:cNvPr id="8" name="Rectangle 4">
+            <a:extLst>
+              <a:ext uri="{FF2B5EF4-FFF2-40B4-BE49-F238E27FC236}">
+                <a16:creationId xmlns:a16="http://schemas.microsoft.com/office/drawing/2014/main" id="{14CBA5E3-AC65-5C9C-8B44-32309BC1569F}"/>
+              </a:ext>
+            </a:extLst>
+          </p:cNvPr>
+          <p:cNvSpPr>
+            <a:spLocks noChangeArrowheads="1"/>
+          </p:cNvSpPr>
+          <p:nvPr/>
+        </p:nvSpPr>
+        <p:spPr bwMode="auto">
+          <a:xfrm>
             <a:off x="73972" y="1208159"/>
             <a:ext cx="3105466" cy="2585323"/>
           </a:xfrm>
@@ -8598,7 +9118,7 @@
 </p:sld>
 </file>
 
-<file path=ppt/slides/slide11.xml><?xml version="1.0" encoding="utf-8"?>
+<file path=ppt/slides/slide12.xml><?xml version="1.0" encoding="utf-8"?>
 <p:sld xmlns:a="http://schemas.openxmlformats.org/drawingml/2006/main" xmlns:r="http://schemas.openxmlformats.org/officeDocument/2006/relationships" xmlns:p="http://schemas.openxmlformats.org/presentationml/2006/main">
   <p:cSld>
     <p:spTree>
@@ -9103,7 +9623,7 @@
 </p:sld>
 </file>
 
-<file path=ppt/slides/slide12.xml><?xml version="1.0" encoding="utf-8"?>
+<file path=ppt/slides/slide13.xml><?xml version="1.0" encoding="utf-8"?>
 <p:sld xmlns:a="http://schemas.openxmlformats.org/drawingml/2006/main" xmlns:r="http://schemas.openxmlformats.org/officeDocument/2006/relationships" xmlns:p="http://schemas.openxmlformats.org/presentationml/2006/main">
   <p:cSld>
     <p:spTree>
@@ -9504,7 +10024,7 @@
 </p:sld>
 </file>
 
-<file path=ppt/slides/slide13.xml><?xml version="1.0" encoding="utf-8"?>
+<file path=ppt/slides/slide14.xml><?xml version="1.0" encoding="utf-8"?>
 <p:sld xmlns:a="http://schemas.openxmlformats.org/drawingml/2006/main" xmlns:r="http://schemas.openxmlformats.org/officeDocument/2006/relationships" xmlns:p="http://schemas.openxmlformats.org/presentationml/2006/main">
   <p:cSld>
     <p:spTree>
@@ -9924,7 +10444,7 @@
         <p:spPr>
           <a:xfrm>
             <a:off x="485303" y="1952664"/>
-            <a:ext cx="11003280" cy="4770537"/>
+            <a:ext cx="11003280" cy="5201424"/>
           </a:xfrm>
           <a:prstGeom prst="rect">
             <a:avLst/>
@@ -9942,14 +10462,17 @@
                 <a:latin typeface="Times New Roman" panose="02020603050405020304" pitchFamily="18" charset="0"/>
                 <a:cs typeface="Times New Roman" panose="02020603050405020304" pitchFamily="18" charset="0"/>
               </a:rPr>
-              <a:t>Цель данного проекта заключается в разработке и внедрении программного обеспечения для контроля и учета работы складской техники, увеличение эффективности, сокращение затрат на ее обслуживание и ремонт, а также повышение безопасности на складе за счет более эффективного контроля за использованием техники. </a:t>
-            </a:r>
-          </a:p>
-          <a:p>
-            <a:endParaRPr lang="ru-RU" sz="2800" dirty="0">
-              <a:latin typeface="Times New Roman" panose="02020603050405020304" pitchFamily="18" charset="0"/>
-              <a:cs typeface="Times New Roman" panose="02020603050405020304" pitchFamily="18" charset="0"/>
-            </a:endParaRPr>
+              <a:t>Цель данного проекта заключается в разработке и внедрении программного обеспечения для контроля и учета работы складской техники. </a:t>
+            </a:r>
+          </a:p>
+          <a:p>
+            <a:r>
+              <a:rPr lang="ru-RU" sz="2800" dirty="0">
+                <a:latin typeface="Times New Roman" panose="02020603050405020304" pitchFamily="18" charset="0"/>
+                <a:cs typeface="Times New Roman" panose="02020603050405020304" pitchFamily="18" charset="0"/>
+              </a:rPr>
+              <a:t>В следствии - увеличение эффективности работы склада, сокращение затрат на обслуживание и ремонт техники, а также повышение безопасности на складе за счет более эффективного контроля за использованием техники. </a:t>
+            </a:r>
           </a:p>
           <a:p>
             <a:r>
@@ -10256,7 +10779,7 @@
         <p:spPr>
           <a:xfrm>
             <a:off x="372936" y="2531467"/>
-            <a:ext cx="10994145" cy="3263970"/>
+            <a:ext cx="10994145" cy="4043864"/>
           </a:xfrm>
           <a:prstGeom prst="rect">
             <a:avLst/>
@@ -10278,7 +10801,7 @@
               </a:spcAft>
             </a:pPr>
             <a:r>
-              <a:rPr lang="ru-RU" sz="1600" b="1" dirty="0">
+              <a:rPr lang="ru-RU" b="1" dirty="0">
                 <a:effectLst/>
                 <a:latin typeface="Times New Roman" panose="02020603050405020304" pitchFamily="18" charset="0"/>
                 <a:ea typeface="Calibri" panose="020F0502020204030204" pitchFamily="34" charset="0"/>
@@ -10287,7 +10810,7 @@
               <a:t>Начальник колонны</a:t>
             </a:r>
             <a:r>
-              <a:rPr lang="ru-RU" sz="1600" dirty="0">
+              <a:rPr lang="ru-RU" dirty="0">
                 <a:effectLst/>
                 <a:latin typeface="Times New Roman" panose="02020603050405020304" pitchFamily="18" charset="0"/>
                 <a:ea typeface="Calibri" panose="020F0502020204030204" pitchFamily="34" charset="0"/>
@@ -10296,7 +10819,7 @@
               <a:t>: как начальник колоны я хочу видеть внешнее состояние оператора-водителя и груза, выполненные задания оператором-водителем, учет техники и </a:t>
             </a:r>
             <a:r>
-              <a:rPr lang="ru-RU" sz="1600" dirty="0" err="1">
+              <a:rPr lang="ru-RU" dirty="0" err="1">
                 <a:effectLst/>
                 <a:latin typeface="Times New Roman" panose="02020603050405020304" pitchFamily="18" charset="0"/>
                 <a:ea typeface="Calibri" panose="020F0502020204030204" pitchFamily="34" charset="0"/>
@@ -10305,7 +10828,7 @@
               <a:t>перссонала</a:t>
             </a:r>
             <a:r>
-              <a:rPr lang="ru-RU" sz="1600" dirty="0">
+              <a:rPr lang="ru-RU" dirty="0">
                 <a:effectLst/>
                 <a:latin typeface="Times New Roman" panose="02020603050405020304" pitchFamily="18" charset="0"/>
                 <a:ea typeface="Calibri" panose="020F0502020204030204" pitchFamily="34" charset="0"/>
@@ -10313,7 +10836,7 @@
               </a:rPr>
               <a:t>, а также возможность общения с оператором-водителем и мастером участка. </a:t>
             </a:r>
-            <a:endParaRPr lang="ru-RU" sz="1600" dirty="0">
+            <a:endParaRPr lang="ru-RU" dirty="0">
               <a:effectLst/>
               <a:latin typeface="Calibri" panose="020F0502020204030204" pitchFamily="34" charset="0"/>
               <a:ea typeface="Calibri" panose="020F0502020204030204" pitchFamily="34" charset="0"/>
@@ -10330,7 +10853,7 @@
               </a:spcAft>
             </a:pPr>
             <a:r>
-              <a:rPr lang="ru-RU" sz="1600" dirty="0">
+              <a:rPr lang="ru-RU" dirty="0">
                 <a:effectLst/>
                 <a:latin typeface="Times New Roman" panose="02020603050405020304" pitchFamily="18" charset="0"/>
                 <a:ea typeface="Calibri" panose="020F0502020204030204" pitchFamily="34" charset="0"/>
@@ -10339,7 +10862,7 @@
               <a:t>- </a:t>
             </a:r>
             <a:r>
-              <a:rPr lang="ru-RU" sz="1600" b="1" dirty="0">
+              <a:rPr lang="ru-RU" b="1" dirty="0">
                 <a:effectLst/>
                 <a:latin typeface="Times New Roman" panose="02020603050405020304" pitchFamily="18" charset="0"/>
                 <a:ea typeface="Calibri" panose="020F0502020204030204" pitchFamily="34" charset="0"/>
@@ -10348,7 +10871,7 @@
               <a:t>Оператор-водитель</a:t>
             </a:r>
             <a:r>
-              <a:rPr lang="ru-RU" sz="1600" dirty="0">
+              <a:rPr lang="ru-RU" dirty="0">
                 <a:effectLst/>
                 <a:latin typeface="Times New Roman" panose="02020603050405020304" pitchFamily="18" charset="0"/>
                 <a:ea typeface="Calibri" panose="020F0502020204030204" pitchFamily="34" charset="0"/>
@@ -10356,7 +10879,7 @@
               </a:rPr>
               <a:t>: как оператор-водитель я хочу видеть груз, возможность записи и отслеживания выполненных заданий, а также возможность общения с начальником колоны и мастером участка. </a:t>
             </a:r>
-            <a:endParaRPr lang="ru-RU" sz="1600" dirty="0">
+            <a:endParaRPr lang="ru-RU" dirty="0">
               <a:effectLst/>
               <a:latin typeface="Calibri" panose="020F0502020204030204" pitchFamily="34" charset="0"/>
               <a:ea typeface="Calibri" panose="020F0502020204030204" pitchFamily="34" charset="0"/>
@@ -10373,7 +10896,7 @@
               </a:spcAft>
             </a:pPr>
             <a:r>
-              <a:rPr lang="ru-RU" sz="1600" dirty="0">
+              <a:rPr lang="ru-RU" dirty="0">
                 <a:effectLst/>
                 <a:latin typeface="Times New Roman" panose="02020603050405020304" pitchFamily="18" charset="0"/>
                 <a:ea typeface="Calibri" panose="020F0502020204030204" pitchFamily="34" charset="0"/>
@@ -10382,7 +10905,7 @@
               <a:t>-</a:t>
             </a:r>
             <a:r>
-              <a:rPr lang="ru-RU" sz="1600" b="1" dirty="0">
+              <a:rPr lang="ru-RU" b="1" dirty="0">
                 <a:effectLst/>
                 <a:latin typeface="Times New Roman" panose="02020603050405020304" pitchFamily="18" charset="0"/>
                 <a:ea typeface="Calibri" panose="020F0502020204030204" pitchFamily="34" charset="0"/>
@@ -10391,15 +10914,15 @@
               <a:t>Мастер участка</a:t>
             </a:r>
             <a:r>
-              <a:rPr lang="ru-RU" sz="1600" dirty="0">
+              <a:rPr lang="ru-RU" dirty="0">
                 <a:effectLst/>
                 <a:latin typeface="Times New Roman" panose="02020603050405020304" pitchFamily="18" charset="0"/>
                 <a:ea typeface="Calibri" panose="020F0502020204030204" pitchFamily="34" charset="0"/>
                 <a:cs typeface="Times New Roman" panose="02020603050405020304" pitchFamily="18" charset="0"/>
               </a:rPr>
-              <a:t>: как мастер участка я хочу видеть внешнее состояние оператора-водителя и груза, возможность запись и просмотр данных по выполненным ремонтным работам над техникой, запись и просмотр наличия и количества техники, а также возможность общения с начальником колоны и мастером участка.</a:t>
-            </a:r>
-            <a:endParaRPr lang="ru-RU" sz="1600" dirty="0">
+              <a:t>: как мастер участка я хочу видеть внешнее состояние оператора-водителя и груза, возможность запись и просмотр данных по выполненным ремонтным работам над техникой, запись и просмотр наличия и количества техники, а также возможность общения с начальником колоны и водителями-операторами.</a:t>
+            </a:r>
+            <a:endParaRPr lang="ru-RU" dirty="0">
               <a:effectLst/>
               <a:latin typeface="Calibri" panose="020F0502020204030204" pitchFamily="34" charset="0"/>
               <a:ea typeface="Calibri" panose="020F0502020204030204" pitchFamily="34" charset="0"/>
